--- a/Final_short_StringencyHappiness.pptx
+++ b/Final_short_StringencyHappiness.pptx
@@ -4,9 +4,13 @@
   <p:sldMasterIdLst>
     <p:sldMasterId id="2147483679" r:id="rId1"/>
   </p:sldMasterIdLst>
+  <p:notesMasterIdLst>
+    <p:notesMasterId r:id="rId5"/>
+  </p:notesMasterIdLst>
   <p:sldIdLst>
     <p:sldId id="259" r:id="rId2"/>
     <p:sldId id="257" r:id="rId3"/>
+    <p:sldId id="260" r:id="rId4"/>
   </p:sldIdLst>
   <p:sldSz cx="12192000" cy="6858000"/>
   <p:notesSz cx="6858000" cy="9144000"/>
@@ -113,6 +117,14 @@
 </p:presentation>
 </file>
 
+<file path=ppt/revisionInfo.xml><?xml version="1.0" encoding="utf-8"?>
+<p1510:revInfo xmlns:a="http://schemas.openxmlformats.org/drawingml/2006/main" xmlns:r="http://schemas.openxmlformats.org/officeDocument/2006/relationships" xmlns:p1510="http://schemas.microsoft.com/office/powerpoint/2015/10/main">
+  <p1510:revLst>
+    <p1510:client id="{6045469A-9F8D-4F09-81E4-D288A27467F3}" v="9" dt="2023-06-02T09:43:21.105"/>
+  </p1510:revLst>
+</p1510:revInfo>
+</file>
+
 <file path=ppt/changesInfos/changesInfo1.xml><?xml version="1.0" encoding="utf-8"?>
 <pc:chgInfo xmlns:a="http://schemas.openxmlformats.org/drawingml/2006/main" xmlns:r="http://schemas.openxmlformats.org/officeDocument/2006/relationships" xmlns:ac="http://schemas.microsoft.com/office/drawing/2013/main/command" xmlns:pc="http://schemas.microsoft.com/office/powerpoint/2013/main/command">
   <pc:docChgLst>
@@ -203,7 +215,934 @@
       </pc:sldChg>
     </pc:docChg>
   </pc:docChgLst>
+  <pc:docChgLst>
+    <pc:chgData name="Benjamin Strusch" userId="d4ceea4940c51958" providerId="LiveId" clId="{6045469A-9F8D-4F09-81E4-D288A27467F3}"/>
+    <pc:docChg chg="undo custSel addSld modSld">
+      <pc:chgData name="Benjamin Strusch" userId="d4ceea4940c51958" providerId="LiveId" clId="{6045469A-9F8D-4F09-81E4-D288A27467F3}" dt="2023-06-02T09:44:04.767" v="827" actId="26606"/>
+      <pc:docMkLst>
+        <pc:docMk/>
+      </pc:docMkLst>
+      <pc:sldChg chg="addSp delSp modSp mod modAnim modNotesTx">
+        <pc:chgData name="Benjamin Strusch" userId="d4ceea4940c51958" providerId="LiveId" clId="{6045469A-9F8D-4F09-81E4-D288A27467F3}" dt="2023-06-02T09:43:13.442" v="808"/>
+        <pc:sldMkLst>
+          <pc:docMk/>
+          <pc:sldMk cId="2515642859" sldId="257"/>
+        </pc:sldMkLst>
+        <pc:spChg chg="del">
+          <ac:chgData name="Benjamin Strusch" userId="d4ceea4940c51958" providerId="LiveId" clId="{6045469A-9F8D-4F09-81E4-D288A27467F3}" dt="2023-06-02T08:44:28.502" v="2" actId="478"/>
+          <ac:spMkLst>
+            <pc:docMk/>
+            <pc:sldMk cId="2515642859" sldId="257"/>
+            <ac:spMk id="5" creationId="{00000000-0000-0000-0000-000000000000}"/>
+          </ac:spMkLst>
+        </pc:spChg>
+        <pc:picChg chg="del">
+          <ac:chgData name="Benjamin Strusch" userId="d4ceea4940c51958" providerId="LiveId" clId="{6045469A-9F8D-4F09-81E4-D288A27467F3}" dt="2023-06-02T09:43:06.669" v="806"/>
+          <ac:picMkLst>
+            <pc:docMk/>
+            <pc:sldMk cId="2515642859" sldId="257"/>
+            <ac:picMk id="2" creationId="{3088B826-4BFF-0C4B-8705-40FCA5DD6420}"/>
+          </ac:picMkLst>
+        </pc:picChg>
+        <pc:picChg chg="add del mod">
+          <ac:chgData name="Benjamin Strusch" userId="d4ceea4940c51958" providerId="LiveId" clId="{6045469A-9F8D-4F09-81E4-D288A27467F3}" dt="2023-06-02T09:43:13.442" v="808"/>
+          <ac:picMkLst>
+            <pc:docMk/>
+            <pc:sldMk cId="2515642859" sldId="257"/>
+            <ac:picMk id="3" creationId="{FD18B15F-B233-AC61-1FCF-ED949EC9417B}"/>
+          </ac:picMkLst>
+        </pc:picChg>
+      </pc:sldChg>
+      <pc:sldChg chg="addSp delSp modSp modAnim modNotesTx">
+        <pc:chgData name="Benjamin Strusch" userId="d4ceea4940c51958" providerId="LiveId" clId="{6045469A-9F8D-4F09-81E4-D288A27467F3}" dt="2023-06-02T09:41:05.703" v="805"/>
+        <pc:sldMkLst>
+          <pc:docMk/>
+          <pc:sldMk cId="2976505504" sldId="259"/>
+        </pc:sldMkLst>
+        <pc:picChg chg="add del mod">
+          <ac:chgData name="Benjamin Strusch" userId="d4ceea4940c51958" providerId="LiveId" clId="{6045469A-9F8D-4F09-81E4-D288A27467F3}" dt="2023-06-02T09:41:05.703" v="805"/>
+          <ac:picMkLst>
+            <pc:docMk/>
+            <pc:sldMk cId="2976505504" sldId="259"/>
+            <ac:picMk id="5" creationId="{03BE2483-6763-50BF-A67C-3A4925703E5B}"/>
+          </ac:picMkLst>
+        </pc:picChg>
+      </pc:sldChg>
+      <pc:sldChg chg="addSp delSp modSp new mod setBg setClrOvrMap">
+        <pc:chgData name="Benjamin Strusch" userId="d4ceea4940c51958" providerId="LiveId" clId="{6045469A-9F8D-4F09-81E4-D288A27467F3}" dt="2023-06-02T09:44:04.767" v="827" actId="26606"/>
+        <pc:sldMkLst>
+          <pc:docMk/>
+          <pc:sldMk cId="2296940343" sldId="260"/>
+        </pc:sldMkLst>
+        <pc:spChg chg="mod">
+          <ac:chgData name="Benjamin Strusch" userId="d4ceea4940c51958" providerId="LiveId" clId="{6045469A-9F8D-4F09-81E4-D288A27467F3}" dt="2023-06-02T09:44:04.767" v="827" actId="26606"/>
+          <ac:spMkLst>
+            <pc:docMk/>
+            <pc:sldMk cId="2296940343" sldId="260"/>
+            <ac:spMk id="2" creationId="{34196856-6420-60D4-5C39-F283F63292E2}"/>
+          </ac:spMkLst>
+        </pc:spChg>
+        <pc:spChg chg="mod">
+          <ac:chgData name="Benjamin Strusch" userId="d4ceea4940c51958" providerId="LiveId" clId="{6045469A-9F8D-4F09-81E4-D288A27467F3}" dt="2023-06-02T09:44:04.767" v="827" actId="26606"/>
+          <ac:spMkLst>
+            <pc:docMk/>
+            <pc:sldMk cId="2296940343" sldId="260"/>
+            <ac:spMk id="3" creationId="{F0674F33-153C-B281-F6A8-68D3064FF31A}"/>
+          </ac:spMkLst>
+        </pc:spChg>
+        <pc:spChg chg="add del">
+          <ac:chgData name="Benjamin Strusch" userId="d4ceea4940c51958" providerId="LiveId" clId="{6045469A-9F8D-4F09-81E4-D288A27467F3}" dt="2023-06-02T09:43:29.719" v="812" actId="26606"/>
+          <ac:spMkLst>
+            <pc:docMk/>
+            <pc:sldMk cId="2296940343" sldId="260"/>
+            <ac:spMk id="9" creationId="{0671A8AE-40A1-4631-A6B8-581AFF065482}"/>
+          </ac:spMkLst>
+        </pc:spChg>
+        <pc:spChg chg="add del">
+          <ac:chgData name="Benjamin Strusch" userId="d4ceea4940c51958" providerId="LiveId" clId="{6045469A-9F8D-4F09-81E4-D288A27467F3}" dt="2023-06-02T09:43:29.719" v="812" actId="26606"/>
+          <ac:spMkLst>
+            <pc:docMk/>
+            <pc:sldMk cId="2296940343" sldId="260"/>
+            <ac:spMk id="11" creationId="{AB58EF07-17C2-48CF-ABB0-EEF1F17CB8F0}"/>
+          </ac:spMkLst>
+        </pc:spChg>
+        <pc:spChg chg="add del">
+          <ac:chgData name="Benjamin Strusch" userId="d4ceea4940c51958" providerId="LiveId" clId="{6045469A-9F8D-4F09-81E4-D288A27467F3}" dt="2023-06-02T09:43:29.719" v="812" actId="26606"/>
+          <ac:spMkLst>
+            <pc:docMk/>
+            <pc:sldMk cId="2296940343" sldId="260"/>
+            <ac:spMk id="13" creationId="{AF2F604E-43BE-4DC3-B983-E071523364F8}"/>
+          </ac:spMkLst>
+        </pc:spChg>
+        <pc:spChg chg="add del">
+          <ac:chgData name="Benjamin Strusch" userId="d4ceea4940c51958" providerId="LiveId" clId="{6045469A-9F8D-4F09-81E4-D288A27467F3}" dt="2023-06-02T09:43:29.719" v="812" actId="26606"/>
+          <ac:spMkLst>
+            <pc:docMk/>
+            <pc:sldMk cId="2296940343" sldId="260"/>
+            <ac:spMk id="15" creationId="{08C9B587-E65E-4B52-B37C-ABEBB6E87928}"/>
+          </ac:spMkLst>
+        </pc:spChg>
+        <pc:spChg chg="add del">
+          <ac:chgData name="Benjamin Strusch" userId="d4ceea4940c51958" providerId="LiveId" clId="{6045469A-9F8D-4F09-81E4-D288A27467F3}" dt="2023-06-02T09:43:34.181" v="814" actId="26606"/>
+          <ac:spMkLst>
+            <pc:docMk/>
+            <pc:sldMk cId="2296940343" sldId="260"/>
+            <ac:spMk id="17" creationId="{06DA9DF9-31F7-4056-B42E-878CC92417B8}"/>
+          </ac:spMkLst>
+        </pc:spChg>
+        <pc:spChg chg="add del">
+          <ac:chgData name="Benjamin Strusch" userId="d4ceea4940c51958" providerId="LiveId" clId="{6045469A-9F8D-4F09-81E4-D288A27467F3}" dt="2023-06-02T09:43:35.280" v="816" actId="26606"/>
+          <ac:spMkLst>
+            <pc:docMk/>
+            <pc:sldMk cId="2296940343" sldId="260"/>
+            <ac:spMk id="19" creationId="{6F828D28-8E09-41CC-8229-3070B5467A96}"/>
+          </ac:spMkLst>
+        </pc:spChg>
+        <pc:spChg chg="add del">
+          <ac:chgData name="Benjamin Strusch" userId="d4ceea4940c51958" providerId="LiveId" clId="{6045469A-9F8D-4F09-81E4-D288A27467F3}" dt="2023-06-02T09:43:35.280" v="816" actId="26606"/>
+          <ac:spMkLst>
+            <pc:docMk/>
+            <pc:sldMk cId="2296940343" sldId="260"/>
+            <ac:spMk id="20" creationId="{D5B012D8-7F27-4758-9AC6-C889B154BD73}"/>
+          </ac:spMkLst>
+        </pc:spChg>
+        <pc:spChg chg="add del">
+          <ac:chgData name="Benjamin Strusch" userId="d4ceea4940c51958" providerId="LiveId" clId="{6045469A-9F8D-4F09-81E4-D288A27467F3}" dt="2023-06-02T09:43:35.280" v="816" actId="26606"/>
+          <ac:spMkLst>
+            <pc:docMk/>
+            <pc:sldMk cId="2296940343" sldId="260"/>
+            <ac:spMk id="21" creationId="{4063B759-00FC-46D1-9898-8E8625268FAF}"/>
+          </ac:spMkLst>
+        </pc:spChg>
+        <pc:spChg chg="add del">
+          <ac:chgData name="Benjamin Strusch" userId="d4ceea4940c51958" providerId="LiveId" clId="{6045469A-9F8D-4F09-81E4-D288A27467F3}" dt="2023-06-02T09:43:36.149" v="818" actId="26606"/>
+          <ac:spMkLst>
+            <pc:docMk/>
+            <pc:sldMk cId="2296940343" sldId="260"/>
+            <ac:spMk id="23" creationId="{C1DD1A8A-57D5-4A81-AD04-532B043C5611}"/>
+          </ac:spMkLst>
+        </pc:spChg>
+        <pc:spChg chg="add del">
+          <ac:chgData name="Benjamin Strusch" userId="d4ceea4940c51958" providerId="LiveId" clId="{6045469A-9F8D-4F09-81E4-D288A27467F3}" dt="2023-06-02T09:43:36.149" v="818" actId="26606"/>
+          <ac:spMkLst>
+            <pc:docMk/>
+            <pc:sldMk cId="2296940343" sldId="260"/>
+            <ac:spMk id="24" creationId="{007891EC-4501-44ED-A8C8-B11B6DB767AB}"/>
+          </ac:spMkLst>
+        </pc:spChg>
+        <pc:spChg chg="add del">
+          <ac:chgData name="Benjamin Strusch" userId="d4ceea4940c51958" providerId="LiveId" clId="{6045469A-9F8D-4F09-81E4-D288A27467F3}" dt="2023-06-02T09:43:41.062" v="820" actId="26606"/>
+          <ac:spMkLst>
+            <pc:docMk/>
+            <pc:sldMk cId="2296940343" sldId="260"/>
+            <ac:spMk id="26" creationId="{E91DC736-0EF8-4F87-9146-EBF1D2EE4D3D}"/>
+          </ac:spMkLst>
+        </pc:spChg>
+        <pc:spChg chg="add del">
+          <ac:chgData name="Benjamin Strusch" userId="d4ceea4940c51958" providerId="LiveId" clId="{6045469A-9F8D-4F09-81E4-D288A27467F3}" dt="2023-06-02T09:43:41.062" v="820" actId="26606"/>
+          <ac:spMkLst>
+            <pc:docMk/>
+            <pc:sldMk cId="2296940343" sldId="260"/>
+            <ac:spMk id="27" creationId="{097CD68E-23E3-4007-8847-CD0944C4F7BE}"/>
+          </ac:spMkLst>
+        </pc:spChg>
+        <pc:spChg chg="add del">
+          <ac:chgData name="Benjamin Strusch" userId="d4ceea4940c51958" providerId="LiveId" clId="{6045469A-9F8D-4F09-81E4-D288A27467F3}" dt="2023-06-02T09:43:41.062" v="820" actId="26606"/>
+          <ac:spMkLst>
+            <pc:docMk/>
+            <pc:sldMk cId="2296940343" sldId="260"/>
+            <ac:spMk id="28" creationId="{AF2F604E-43BE-4DC3-B983-E071523364F8}"/>
+          </ac:spMkLst>
+        </pc:spChg>
+        <pc:spChg chg="add del">
+          <ac:chgData name="Benjamin Strusch" userId="d4ceea4940c51958" providerId="LiveId" clId="{6045469A-9F8D-4F09-81E4-D288A27467F3}" dt="2023-06-02T09:43:41.062" v="820" actId="26606"/>
+          <ac:spMkLst>
+            <pc:docMk/>
+            <pc:sldMk cId="2296940343" sldId="260"/>
+            <ac:spMk id="29" creationId="{08C9B587-E65E-4B52-B37C-ABEBB6E87928}"/>
+          </ac:spMkLst>
+        </pc:spChg>
+        <pc:spChg chg="add del">
+          <ac:chgData name="Benjamin Strusch" userId="d4ceea4940c51958" providerId="LiveId" clId="{6045469A-9F8D-4F09-81E4-D288A27467F3}" dt="2023-06-02T09:43:46.401" v="822" actId="26606"/>
+          <ac:spMkLst>
+            <pc:docMk/>
+            <pc:sldMk cId="2296940343" sldId="260"/>
+            <ac:spMk id="31" creationId="{0671A8AE-40A1-4631-A6B8-581AFF065482}"/>
+          </ac:spMkLst>
+        </pc:spChg>
+        <pc:spChg chg="add del">
+          <ac:chgData name="Benjamin Strusch" userId="d4ceea4940c51958" providerId="LiveId" clId="{6045469A-9F8D-4F09-81E4-D288A27467F3}" dt="2023-06-02T09:43:46.401" v="822" actId="26606"/>
+          <ac:spMkLst>
+            <pc:docMk/>
+            <pc:sldMk cId="2296940343" sldId="260"/>
+            <ac:spMk id="32" creationId="{AB58EF07-17C2-48CF-ABB0-EEF1F17CB8F0}"/>
+          </ac:spMkLst>
+        </pc:spChg>
+        <pc:spChg chg="add del">
+          <ac:chgData name="Benjamin Strusch" userId="d4ceea4940c51958" providerId="LiveId" clId="{6045469A-9F8D-4F09-81E4-D288A27467F3}" dt="2023-06-02T09:43:46.401" v="822" actId="26606"/>
+          <ac:spMkLst>
+            <pc:docMk/>
+            <pc:sldMk cId="2296940343" sldId="260"/>
+            <ac:spMk id="33" creationId="{AF2F604E-43BE-4DC3-B983-E071523364F8}"/>
+          </ac:spMkLst>
+        </pc:spChg>
+        <pc:spChg chg="add del">
+          <ac:chgData name="Benjamin Strusch" userId="d4ceea4940c51958" providerId="LiveId" clId="{6045469A-9F8D-4F09-81E4-D288A27467F3}" dt="2023-06-02T09:43:46.401" v="822" actId="26606"/>
+          <ac:spMkLst>
+            <pc:docMk/>
+            <pc:sldMk cId="2296940343" sldId="260"/>
+            <ac:spMk id="34" creationId="{08C9B587-E65E-4B52-B37C-ABEBB6E87928}"/>
+          </ac:spMkLst>
+        </pc:spChg>
+        <pc:spChg chg="add del">
+          <ac:chgData name="Benjamin Strusch" userId="d4ceea4940c51958" providerId="LiveId" clId="{6045469A-9F8D-4F09-81E4-D288A27467F3}" dt="2023-06-02T09:44:02.394" v="824" actId="26606"/>
+          <ac:spMkLst>
+            <pc:docMk/>
+            <pc:sldMk cId="2296940343" sldId="260"/>
+            <ac:spMk id="36" creationId="{06DA9DF9-31F7-4056-B42E-878CC92417B8}"/>
+          </ac:spMkLst>
+        </pc:spChg>
+        <pc:spChg chg="add del">
+          <ac:chgData name="Benjamin Strusch" userId="d4ceea4940c51958" providerId="LiveId" clId="{6045469A-9F8D-4F09-81E4-D288A27467F3}" dt="2023-06-02T09:44:04.757" v="826" actId="26606"/>
+          <ac:spMkLst>
+            <pc:docMk/>
+            <pc:sldMk cId="2296940343" sldId="260"/>
+            <ac:spMk id="38" creationId="{6F828D28-8E09-41CC-8229-3070B5467A96}"/>
+          </ac:spMkLst>
+        </pc:spChg>
+        <pc:spChg chg="add del">
+          <ac:chgData name="Benjamin Strusch" userId="d4ceea4940c51958" providerId="LiveId" clId="{6045469A-9F8D-4F09-81E4-D288A27467F3}" dt="2023-06-02T09:44:04.757" v="826" actId="26606"/>
+          <ac:spMkLst>
+            <pc:docMk/>
+            <pc:sldMk cId="2296940343" sldId="260"/>
+            <ac:spMk id="39" creationId="{D5B012D8-7F27-4758-9AC6-C889B154BD73}"/>
+          </ac:spMkLst>
+        </pc:spChg>
+        <pc:spChg chg="add del">
+          <ac:chgData name="Benjamin Strusch" userId="d4ceea4940c51958" providerId="LiveId" clId="{6045469A-9F8D-4F09-81E4-D288A27467F3}" dt="2023-06-02T09:44:04.757" v="826" actId="26606"/>
+          <ac:spMkLst>
+            <pc:docMk/>
+            <pc:sldMk cId="2296940343" sldId="260"/>
+            <ac:spMk id="40" creationId="{4063B759-00FC-46D1-9898-8E8625268FAF}"/>
+          </ac:spMkLst>
+        </pc:spChg>
+        <pc:spChg chg="add">
+          <ac:chgData name="Benjamin Strusch" userId="d4ceea4940c51958" providerId="LiveId" clId="{6045469A-9F8D-4F09-81E4-D288A27467F3}" dt="2023-06-02T09:44:04.767" v="827" actId="26606"/>
+          <ac:spMkLst>
+            <pc:docMk/>
+            <pc:sldMk cId="2296940343" sldId="260"/>
+            <ac:spMk id="42" creationId="{C1DD1A8A-57D5-4A81-AD04-532B043C5611}"/>
+          </ac:spMkLst>
+        </pc:spChg>
+        <pc:spChg chg="add">
+          <ac:chgData name="Benjamin Strusch" userId="d4ceea4940c51958" providerId="LiveId" clId="{6045469A-9F8D-4F09-81E4-D288A27467F3}" dt="2023-06-02T09:44:04.767" v="827" actId="26606"/>
+          <ac:spMkLst>
+            <pc:docMk/>
+            <pc:sldMk cId="2296940343" sldId="260"/>
+            <ac:spMk id="43" creationId="{007891EC-4501-44ED-A8C8-B11B6DB767AB}"/>
+          </ac:spMkLst>
+        </pc:spChg>
+        <pc:picChg chg="add mod ord">
+          <ac:chgData name="Benjamin Strusch" userId="d4ceea4940c51958" providerId="LiveId" clId="{6045469A-9F8D-4F09-81E4-D288A27467F3}" dt="2023-06-02T09:44:04.767" v="827" actId="26606"/>
+          <ac:picMkLst>
+            <pc:docMk/>
+            <pc:sldMk cId="2296940343" sldId="260"/>
+            <ac:picMk id="4" creationId="{A2ED5C42-4A3F-D82C-3ACC-0F86D6AAAD90}"/>
+          </ac:picMkLst>
+        </pc:picChg>
+      </pc:sldChg>
+    </pc:docChg>
+  </pc:docChgLst>
 </pc:chgInfo>
+</file>
+
+<file path=ppt/notesMasters/notesMaster1.xml><?xml version="1.0" encoding="utf-8"?>
+<p:notesMaster xmlns:a="http://schemas.openxmlformats.org/drawingml/2006/main" xmlns:r="http://schemas.openxmlformats.org/officeDocument/2006/relationships" xmlns:p="http://schemas.openxmlformats.org/presentationml/2006/main">
+  <p:cSld>
+    <p:bg>
+      <p:bgRef idx="1001">
+        <a:schemeClr val="bg1"/>
+      </p:bgRef>
+    </p:bg>
+    <p:spTree>
+      <p:nvGrpSpPr>
+        <p:cNvPr id="1" name=""/>
+        <p:cNvGrpSpPr/>
+        <p:nvPr/>
+      </p:nvGrpSpPr>
+      <p:grpSpPr>
+        <a:xfrm>
+          <a:off x="0" y="0"/>
+          <a:ext cx="0" cy="0"/>
+          <a:chOff x="0" y="0"/>
+          <a:chExt cx="0" cy="0"/>
+        </a:xfrm>
+      </p:grpSpPr>
+      <p:sp>
+        <p:nvSpPr>
+          <p:cNvPr id="2" name="Header Placeholder 1"/>
+          <p:cNvSpPr>
+            <a:spLocks noGrp="1"/>
+          </p:cNvSpPr>
+          <p:nvPr>
+            <p:ph type="hdr" sz="quarter"/>
+          </p:nvPr>
+        </p:nvSpPr>
+        <p:spPr>
+          <a:xfrm>
+            <a:off x="0" y="0"/>
+            <a:ext cx="2971800" cy="458788"/>
+          </a:xfrm>
+          <a:prstGeom prst="rect">
+            <a:avLst/>
+          </a:prstGeom>
+        </p:spPr>
+        <p:txBody>
+          <a:bodyPr vert="horz" lIns="91440" tIns="45720" rIns="91440" bIns="45720" rtlCol="0"/>
+          <a:lstStyle>
+            <a:lvl1pPr algn="l">
+              <a:defRPr sz="1200"/>
+            </a:lvl1pPr>
+          </a:lstStyle>
+          <a:p>
+            <a:endParaRPr lang="en-GB"/>
+          </a:p>
+        </p:txBody>
+      </p:sp>
+      <p:sp>
+        <p:nvSpPr>
+          <p:cNvPr id="3" name="Date Placeholder 2"/>
+          <p:cNvSpPr>
+            <a:spLocks noGrp="1"/>
+          </p:cNvSpPr>
+          <p:nvPr>
+            <p:ph type="dt" idx="1"/>
+          </p:nvPr>
+        </p:nvSpPr>
+        <p:spPr>
+          <a:xfrm>
+            <a:off x="3884613" y="0"/>
+            <a:ext cx="2971800" cy="458788"/>
+          </a:xfrm>
+          <a:prstGeom prst="rect">
+            <a:avLst/>
+          </a:prstGeom>
+        </p:spPr>
+        <p:txBody>
+          <a:bodyPr vert="horz" lIns="91440" tIns="45720" rIns="91440" bIns="45720" rtlCol="0"/>
+          <a:lstStyle>
+            <a:lvl1pPr algn="r">
+              <a:defRPr sz="1200"/>
+            </a:lvl1pPr>
+          </a:lstStyle>
+          <a:p>
+            <a:fld id="{02ED2042-6B98-4614-9859-BE9F62B752AA}" type="datetimeFigureOut">
+              <a:rPr lang="en-GB" smtClean="0"/>
+              <a:t>02/06/2023</a:t>
+            </a:fld>
+            <a:endParaRPr lang="en-GB"/>
+          </a:p>
+        </p:txBody>
+      </p:sp>
+      <p:sp>
+        <p:nvSpPr>
+          <p:cNvPr id="4" name="Slide Image Placeholder 3"/>
+          <p:cNvSpPr>
+            <a:spLocks noGrp="1" noRot="1" noChangeAspect="1"/>
+          </p:cNvSpPr>
+          <p:nvPr>
+            <p:ph type="sldImg" idx="2"/>
+          </p:nvPr>
+        </p:nvSpPr>
+        <p:spPr>
+          <a:xfrm>
+            <a:off x="685800" y="1143000"/>
+            <a:ext cx="5486400" cy="3086100"/>
+          </a:xfrm>
+          <a:prstGeom prst="rect">
+            <a:avLst/>
+          </a:prstGeom>
+          <a:noFill/>
+          <a:ln w="12700">
+            <a:solidFill>
+              <a:prstClr val="black"/>
+            </a:solidFill>
+          </a:ln>
+        </p:spPr>
+        <p:txBody>
+          <a:bodyPr vert="horz" lIns="91440" tIns="45720" rIns="91440" bIns="45720" rtlCol="0" anchor="ctr"/>
+          <a:lstStyle/>
+          <a:p>
+            <a:endParaRPr lang="en-GB"/>
+          </a:p>
+        </p:txBody>
+      </p:sp>
+      <p:sp>
+        <p:nvSpPr>
+          <p:cNvPr id="5" name="Notes Placeholder 4"/>
+          <p:cNvSpPr>
+            <a:spLocks noGrp="1"/>
+          </p:cNvSpPr>
+          <p:nvPr>
+            <p:ph type="body" sz="quarter" idx="3"/>
+          </p:nvPr>
+        </p:nvSpPr>
+        <p:spPr>
+          <a:xfrm>
+            <a:off x="685800" y="4400550"/>
+            <a:ext cx="5486400" cy="3600450"/>
+          </a:xfrm>
+          <a:prstGeom prst="rect">
+            <a:avLst/>
+          </a:prstGeom>
+        </p:spPr>
+        <p:txBody>
+          <a:bodyPr vert="horz" lIns="91440" tIns="45720" rIns="91440" bIns="45720" rtlCol="0"/>
+          <a:lstStyle/>
+          <a:p>
+            <a:pPr lvl="0"/>
+            <a:r>
+              <a:rPr lang="en-US"/>
+              <a:t>Click to edit Master text styles</a:t>
+            </a:r>
+          </a:p>
+          <a:p>
+            <a:pPr lvl="1"/>
+            <a:r>
+              <a:rPr lang="en-US"/>
+              <a:t>Second level</a:t>
+            </a:r>
+          </a:p>
+          <a:p>
+            <a:pPr lvl="2"/>
+            <a:r>
+              <a:rPr lang="en-US"/>
+              <a:t>Third level</a:t>
+            </a:r>
+          </a:p>
+          <a:p>
+            <a:pPr lvl="3"/>
+            <a:r>
+              <a:rPr lang="en-US"/>
+              <a:t>Fourth level</a:t>
+            </a:r>
+          </a:p>
+          <a:p>
+            <a:pPr lvl="4"/>
+            <a:r>
+              <a:rPr lang="en-US"/>
+              <a:t>Fifth level</a:t>
+            </a:r>
+            <a:endParaRPr lang="en-GB"/>
+          </a:p>
+        </p:txBody>
+      </p:sp>
+      <p:sp>
+        <p:nvSpPr>
+          <p:cNvPr id="6" name="Footer Placeholder 5"/>
+          <p:cNvSpPr>
+            <a:spLocks noGrp="1"/>
+          </p:cNvSpPr>
+          <p:nvPr>
+            <p:ph type="ftr" sz="quarter" idx="4"/>
+          </p:nvPr>
+        </p:nvSpPr>
+        <p:spPr>
+          <a:xfrm>
+            <a:off x="0" y="8685213"/>
+            <a:ext cx="2971800" cy="458787"/>
+          </a:xfrm>
+          <a:prstGeom prst="rect">
+            <a:avLst/>
+          </a:prstGeom>
+        </p:spPr>
+        <p:txBody>
+          <a:bodyPr vert="horz" lIns="91440" tIns="45720" rIns="91440" bIns="45720" rtlCol="0" anchor="b"/>
+          <a:lstStyle>
+            <a:lvl1pPr algn="l">
+              <a:defRPr sz="1200"/>
+            </a:lvl1pPr>
+          </a:lstStyle>
+          <a:p>
+            <a:endParaRPr lang="en-GB"/>
+          </a:p>
+        </p:txBody>
+      </p:sp>
+      <p:sp>
+        <p:nvSpPr>
+          <p:cNvPr id="7" name="Slide Number Placeholder 6"/>
+          <p:cNvSpPr>
+            <a:spLocks noGrp="1"/>
+          </p:cNvSpPr>
+          <p:nvPr>
+            <p:ph type="sldNum" sz="quarter" idx="5"/>
+          </p:nvPr>
+        </p:nvSpPr>
+        <p:spPr>
+          <a:xfrm>
+            <a:off x="3884613" y="8685213"/>
+            <a:ext cx="2971800" cy="458787"/>
+          </a:xfrm>
+          <a:prstGeom prst="rect">
+            <a:avLst/>
+          </a:prstGeom>
+        </p:spPr>
+        <p:txBody>
+          <a:bodyPr vert="horz" lIns="91440" tIns="45720" rIns="91440" bIns="45720" rtlCol="0" anchor="b"/>
+          <a:lstStyle>
+            <a:lvl1pPr algn="r">
+              <a:defRPr sz="1200"/>
+            </a:lvl1pPr>
+          </a:lstStyle>
+          <a:p>
+            <a:fld id="{468435EF-951F-4A5E-9422-1E2A0372ABA1}" type="slidenum">
+              <a:rPr lang="en-GB" smtClean="0"/>
+              <a:t>‹#›</a:t>
+            </a:fld>
+            <a:endParaRPr lang="en-GB"/>
+          </a:p>
+        </p:txBody>
+      </p:sp>
+    </p:spTree>
+    <p:extLst>
+      <p:ext uri="{BB962C8B-B14F-4D97-AF65-F5344CB8AC3E}">
+        <p14:creationId xmlns:p14="http://schemas.microsoft.com/office/powerpoint/2010/main" val="1996932959"/>
+      </p:ext>
+    </p:extLst>
+  </p:cSld>
+  <p:clrMap bg1="lt1" tx1="dk1" bg2="lt2" tx2="dk2" accent1="accent1" accent2="accent2" accent3="accent3" accent4="accent4" accent5="accent5" accent6="accent6" hlink="hlink" folHlink="folHlink"/>
+  <p:notesStyle>
+    <a:lvl1pPr marL="0" algn="l" defTabSz="914400" rtl="0" eaLnBrk="1" latinLnBrk="0" hangingPunct="1">
+      <a:defRPr sz="1200" kern="1200">
+        <a:solidFill>
+          <a:schemeClr val="tx1"/>
+        </a:solidFill>
+        <a:latin typeface="+mn-lt"/>
+        <a:ea typeface="+mn-ea"/>
+        <a:cs typeface="+mn-cs"/>
+      </a:defRPr>
+    </a:lvl1pPr>
+    <a:lvl2pPr marL="457200" algn="l" defTabSz="914400" rtl="0" eaLnBrk="1" latinLnBrk="0" hangingPunct="1">
+      <a:defRPr sz="1200" kern="1200">
+        <a:solidFill>
+          <a:schemeClr val="tx1"/>
+        </a:solidFill>
+        <a:latin typeface="+mn-lt"/>
+        <a:ea typeface="+mn-ea"/>
+        <a:cs typeface="+mn-cs"/>
+      </a:defRPr>
+    </a:lvl2pPr>
+    <a:lvl3pPr marL="914400" algn="l" defTabSz="914400" rtl="0" eaLnBrk="1" latinLnBrk="0" hangingPunct="1">
+      <a:defRPr sz="1200" kern="1200">
+        <a:solidFill>
+          <a:schemeClr val="tx1"/>
+        </a:solidFill>
+        <a:latin typeface="+mn-lt"/>
+        <a:ea typeface="+mn-ea"/>
+        <a:cs typeface="+mn-cs"/>
+      </a:defRPr>
+    </a:lvl3pPr>
+    <a:lvl4pPr marL="1371600" algn="l" defTabSz="914400" rtl="0" eaLnBrk="1" latinLnBrk="0" hangingPunct="1">
+      <a:defRPr sz="1200" kern="1200">
+        <a:solidFill>
+          <a:schemeClr val="tx1"/>
+        </a:solidFill>
+        <a:latin typeface="+mn-lt"/>
+        <a:ea typeface="+mn-ea"/>
+        <a:cs typeface="+mn-cs"/>
+      </a:defRPr>
+    </a:lvl4pPr>
+    <a:lvl5pPr marL="1828800" algn="l" defTabSz="914400" rtl="0" eaLnBrk="1" latinLnBrk="0" hangingPunct="1">
+      <a:defRPr sz="1200" kern="1200">
+        <a:solidFill>
+          <a:schemeClr val="tx1"/>
+        </a:solidFill>
+        <a:latin typeface="+mn-lt"/>
+        <a:ea typeface="+mn-ea"/>
+        <a:cs typeface="+mn-cs"/>
+      </a:defRPr>
+    </a:lvl5pPr>
+    <a:lvl6pPr marL="2286000" algn="l" defTabSz="914400" rtl="0" eaLnBrk="1" latinLnBrk="0" hangingPunct="1">
+      <a:defRPr sz="1200" kern="1200">
+        <a:solidFill>
+          <a:schemeClr val="tx1"/>
+        </a:solidFill>
+        <a:latin typeface="+mn-lt"/>
+        <a:ea typeface="+mn-ea"/>
+        <a:cs typeface="+mn-cs"/>
+      </a:defRPr>
+    </a:lvl6pPr>
+    <a:lvl7pPr marL="2743200" algn="l" defTabSz="914400" rtl="0" eaLnBrk="1" latinLnBrk="0" hangingPunct="1">
+      <a:defRPr sz="1200" kern="1200">
+        <a:solidFill>
+          <a:schemeClr val="tx1"/>
+        </a:solidFill>
+        <a:latin typeface="+mn-lt"/>
+        <a:ea typeface="+mn-ea"/>
+        <a:cs typeface="+mn-cs"/>
+      </a:defRPr>
+    </a:lvl7pPr>
+    <a:lvl8pPr marL="3200400" algn="l" defTabSz="914400" rtl="0" eaLnBrk="1" latinLnBrk="0" hangingPunct="1">
+      <a:defRPr sz="1200" kern="1200">
+        <a:solidFill>
+          <a:schemeClr val="tx1"/>
+        </a:solidFill>
+        <a:latin typeface="+mn-lt"/>
+        <a:ea typeface="+mn-ea"/>
+        <a:cs typeface="+mn-cs"/>
+      </a:defRPr>
+    </a:lvl8pPr>
+    <a:lvl9pPr marL="3657600" algn="l" defTabSz="914400" rtl="0" eaLnBrk="1" latinLnBrk="0" hangingPunct="1">
+      <a:defRPr sz="1200" kern="1200">
+        <a:solidFill>
+          <a:schemeClr val="tx1"/>
+        </a:solidFill>
+        <a:latin typeface="+mn-lt"/>
+        <a:ea typeface="+mn-ea"/>
+        <a:cs typeface="+mn-cs"/>
+      </a:defRPr>
+    </a:lvl9pPr>
+  </p:notesStyle>
+</p:notesMaster>
+</file>
+
+<file path=ppt/notesSlides/notesSlide1.xml><?xml version="1.0" encoding="utf-8"?>
+<p:notes xmlns:a="http://schemas.openxmlformats.org/drawingml/2006/main" xmlns:r="http://schemas.openxmlformats.org/officeDocument/2006/relationships" xmlns:p="http://schemas.openxmlformats.org/presentationml/2006/main">
+  <p:cSld>
+    <p:spTree>
+      <p:nvGrpSpPr>
+        <p:cNvPr id="1" name=""/>
+        <p:cNvGrpSpPr/>
+        <p:nvPr/>
+      </p:nvGrpSpPr>
+      <p:grpSpPr>
+        <a:xfrm>
+          <a:off x="0" y="0"/>
+          <a:ext cx="0" cy="0"/>
+          <a:chOff x="0" y="0"/>
+          <a:chExt cx="0" cy="0"/>
+        </a:xfrm>
+      </p:grpSpPr>
+      <p:sp>
+        <p:nvSpPr>
+          <p:cNvPr id="2" name="Slide Image Placeholder 1"/>
+          <p:cNvSpPr>
+            <a:spLocks noGrp="1" noRot="1" noChangeAspect="1"/>
+          </p:cNvSpPr>
+          <p:nvPr>
+            <p:ph type="sldImg"/>
+          </p:nvPr>
+        </p:nvSpPr>
+        <p:spPr/>
+      </p:sp>
+      <p:sp>
+        <p:nvSpPr>
+          <p:cNvPr id="3" name="Notes Placeholder 2"/>
+          <p:cNvSpPr>
+            <a:spLocks noGrp="1"/>
+          </p:cNvSpPr>
+          <p:nvPr>
+            <p:ph type="body" idx="1"/>
+          </p:nvPr>
+        </p:nvSpPr>
+        <p:spPr/>
+        <p:txBody>
+          <a:bodyPr/>
+          <a:lstStyle/>
+          <a:p>
+            <a:endParaRPr lang="en-GB" dirty="0"/>
+          </a:p>
+        </p:txBody>
+      </p:sp>
+      <p:sp>
+        <p:nvSpPr>
+          <p:cNvPr id="4" name="Slide Number Placeholder 3"/>
+          <p:cNvSpPr>
+            <a:spLocks noGrp="1"/>
+          </p:cNvSpPr>
+          <p:nvPr>
+            <p:ph type="sldNum" sz="quarter" idx="5"/>
+          </p:nvPr>
+        </p:nvSpPr>
+        <p:spPr/>
+        <p:txBody>
+          <a:bodyPr/>
+          <a:lstStyle/>
+          <a:p>
+            <a:fld id="{468435EF-951F-4A5E-9422-1E2A0372ABA1}" type="slidenum">
+              <a:rPr lang="en-GB" smtClean="0"/>
+              <a:t>1</a:t>
+            </a:fld>
+            <a:endParaRPr lang="en-GB"/>
+          </a:p>
+        </p:txBody>
+      </p:sp>
+    </p:spTree>
+    <p:extLst>
+      <p:ext uri="{BB962C8B-B14F-4D97-AF65-F5344CB8AC3E}">
+        <p14:creationId xmlns:p14="http://schemas.microsoft.com/office/powerpoint/2010/main" val="1898467968"/>
+      </p:ext>
+    </p:extLst>
+  </p:cSld>
+  <p:clrMapOvr>
+    <a:masterClrMapping/>
+  </p:clrMapOvr>
+</p:notes>
+</file>
+
+<file path=ppt/notesSlides/notesSlide2.xml><?xml version="1.0" encoding="utf-8"?>
+<p:notes xmlns:a="http://schemas.openxmlformats.org/drawingml/2006/main" xmlns:r="http://schemas.openxmlformats.org/officeDocument/2006/relationships" xmlns:p="http://schemas.openxmlformats.org/presentationml/2006/main">
+  <p:cSld>
+    <p:spTree>
+      <p:nvGrpSpPr>
+        <p:cNvPr id="1" name=""/>
+        <p:cNvGrpSpPr/>
+        <p:nvPr/>
+      </p:nvGrpSpPr>
+      <p:grpSpPr>
+        <a:xfrm>
+          <a:off x="0" y="0"/>
+          <a:ext cx="0" cy="0"/>
+          <a:chOff x="0" y="0"/>
+          <a:chExt cx="0" cy="0"/>
+        </a:xfrm>
+      </p:grpSpPr>
+      <p:sp>
+        <p:nvSpPr>
+          <p:cNvPr id="2" name="Slide Image Placeholder 1"/>
+          <p:cNvSpPr>
+            <a:spLocks noGrp="1" noRot="1" noChangeAspect="1"/>
+          </p:cNvSpPr>
+          <p:nvPr>
+            <p:ph type="sldImg"/>
+          </p:nvPr>
+        </p:nvSpPr>
+        <p:spPr/>
+      </p:sp>
+      <p:sp>
+        <p:nvSpPr>
+          <p:cNvPr id="3" name="Notes Placeholder 2"/>
+          <p:cNvSpPr>
+            <a:spLocks noGrp="1"/>
+          </p:cNvSpPr>
+          <p:nvPr>
+            <p:ph type="body" idx="1"/>
+          </p:nvPr>
+        </p:nvSpPr>
+        <p:spPr/>
+        <p:txBody>
+          <a:bodyPr/>
+          <a:lstStyle/>
+          <a:p>
+            <a:pPr marL="285750" marR="0" lvl="0" indent="-285750" algn="just" defTabSz="914400" rtl="0" eaLnBrk="1" fontAlgn="auto" latinLnBrk="0" hangingPunct="1">
+              <a:lnSpc>
+                <a:spcPct val="100000"/>
+              </a:lnSpc>
+              <a:spcBef>
+                <a:spcPts val="0"/>
+              </a:spcBef>
+              <a:spcAft>
+                <a:spcPts val="0"/>
+              </a:spcAft>
+              <a:buClrTx/>
+              <a:buSzTx/>
+              <a:buFontTx/>
+              <a:buChar char="-"/>
+              <a:tabLst/>
+              <a:defRPr/>
+            </a:pPr>
+            <a:r>
+              <a:rPr lang="en-GB" sz="1200" kern="100" dirty="0">
+                <a:effectLst/>
+                <a:latin typeface="Times New Roman" panose="02020603050405020304" pitchFamily="18" charset="0"/>
+                <a:ea typeface="Calibri" panose="020F0502020204030204" pitchFamily="34" charset="0"/>
+                <a:cs typeface="Times New Roman" panose="02020603050405020304" pitchFamily="18" charset="0"/>
+              </a:rPr>
+              <a:t>obtained Happiness and Stringency data for 115 countries. </a:t>
+            </a:r>
+          </a:p>
+          <a:p>
+            <a:pPr marL="285750" indent="-285750" algn="just">
+              <a:buFontTx/>
+              <a:buChar char="-"/>
+            </a:pPr>
+            <a:r>
+              <a:rPr lang="en-GB" sz="1200" kern="100" dirty="0">
+                <a:effectLst/>
+                <a:latin typeface="Times New Roman" panose="02020603050405020304" pitchFamily="18" charset="0"/>
+                <a:ea typeface="Calibri" panose="020F0502020204030204" pitchFamily="34" charset="0"/>
+                <a:cs typeface="Times New Roman" panose="02020603050405020304" pitchFamily="18" charset="0"/>
+              </a:rPr>
+              <a:t>To really know whether differences are due to stringency and not inherent happiness differences</a:t>
+            </a:r>
+          </a:p>
+          <a:p>
+            <a:pPr marL="742950" lvl="1" indent="-285750" algn="just">
+              <a:buFontTx/>
+              <a:buChar char="-"/>
+            </a:pPr>
+            <a:r>
+              <a:rPr lang="en-GB" sz="1200" kern="100" dirty="0">
+                <a:effectLst/>
+                <a:latin typeface="Times New Roman" panose="02020603050405020304" pitchFamily="18" charset="0"/>
+                <a:ea typeface="Calibri" panose="020F0502020204030204" pitchFamily="34" charset="0"/>
+                <a:cs typeface="Times New Roman" panose="02020603050405020304" pitchFamily="18" charset="0"/>
+              </a:rPr>
+              <a:t>Computed pre-pandemic average and compared this to happiness for each country per year</a:t>
+            </a:r>
+          </a:p>
+          <a:p>
+            <a:pPr marL="285750" indent="-285750" algn="just">
+              <a:buFontTx/>
+              <a:buChar char="-"/>
+            </a:pPr>
+            <a:r>
+              <a:rPr lang="en-GB" sz="1200" kern="100" dirty="0">
+                <a:effectLst/>
+                <a:latin typeface="Times New Roman" panose="02020603050405020304" pitchFamily="18" charset="0"/>
+                <a:ea typeface="Calibri" panose="020F0502020204030204" pitchFamily="34" charset="0"/>
+                <a:cs typeface="Times New Roman" panose="02020603050405020304" pitchFamily="18" charset="0"/>
+              </a:rPr>
+              <a:t>Thus Centring </a:t>
+            </a:r>
+            <a:r>
+              <a:rPr lang="en-GB" sz="1200" kern="100" dirty="0">
+                <a:effectLst/>
+                <a:latin typeface="Times New Roman" panose="02020603050405020304" pitchFamily="18" charset="0"/>
+                <a:ea typeface="Calibri" panose="020F0502020204030204" pitchFamily="34" charset="0"/>
+                <a:cs typeface="Times New Roman" panose="02020603050405020304" pitchFamily="18" charset="0"/>
+                <a:sym typeface="Wingdings" panose="05000000000000000000" pitchFamily="2" charset="2"/>
+              </a:rPr>
+              <a:t> above and below 0</a:t>
+            </a:r>
+            <a:endParaRPr lang="en-GB" sz="1200" kern="100" dirty="0">
+              <a:effectLst/>
+              <a:latin typeface="Calibri" panose="020F0502020204030204" pitchFamily="34" charset="0"/>
+              <a:ea typeface="Calibri" panose="020F0502020204030204" pitchFamily="34" charset="0"/>
+              <a:cs typeface="Times New Roman" panose="02020603050405020304" pitchFamily="18" charset="0"/>
+            </a:endParaRPr>
+          </a:p>
+          <a:p>
+            <a:pPr marL="285750" indent="-285750" algn="just">
+              <a:buFontTx/>
+              <a:buChar char="-"/>
+            </a:pPr>
+            <a:r>
+              <a:rPr lang="en-GB" sz="1200" kern="100" dirty="0">
+                <a:effectLst/>
+                <a:latin typeface="Calibri" panose="020F0502020204030204" pitchFamily="34" charset="0"/>
+                <a:ea typeface="Calibri" panose="020F0502020204030204" pitchFamily="34" charset="0"/>
+                <a:cs typeface="Times New Roman" panose="02020603050405020304" pitchFamily="18" charset="0"/>
+              </a:rPr>
+              <a:t>Prediction</a:t>
+            </a:r>
+          </a:p>
+          <a:p>
+            <a:pPr marL="285750" indent="-285750" algn="just">
+              <a:buFontTx/>
+              <a:buChar char="-"/>
+            </a:pPr>
+            <a:r>
+              <a:rPr lang="en-GB" sz="1200" kern="100" dirty="0">
+                <a:effectLst/>
+                <a:latin typeface="Calibri" panose="020F0502020204030204" pitchFamily="34" charset="0"/>
+                <a:ea typeface="Calibri" panose="020F0502020204030204" pitchFamily="34" charset="0"/>
+                <a:cs typeface="Times New Roman" panose="02020603050405020304" pitchFamily="18" charset="0"/>
+              </a:rPr>
+              <a:t>In line, the graph descriptively shows us this trend, however, at large, the effect was not strong to warrant statistical significance</a:t>
+            </a:r>
+          </a:p>
+          <a:p>
+            <a:pPr marL="285750" indent="-285750" algn="just">
+              <a:buFontTx/>
+              <a:buChar char="-"/>
+            </a:pPr>
+            <a:endParaRPr lang="en-GB" sz="1200" kern="100" dirty="0">
+              <a:effectLst/>
+              <a:latin typeface="Calibri" panose="020F0502020204030204" pitchFamily="34" charset="0"/>
+              <a:ea typeface="Calibri" panose="020F0502020204030204" pitchFamily="34" charset="0"/>
+              <a:cs typeface="Times New Roman" panose="02020603050405020304" pitchFamily="18" charset="0"/>
+            </a:endParaRPr>
+          </a:p>
+          <a:p>
+            <a:endParaRPr lang="en-GB" dirty="0"/>
+          </a:p>
+        </p:txBody>
+      </p:sp>
+      <p:sp>
+        <p:nvSpPr>
+          <p:cNvPr id="4" name="Slide Number Placeholder 3"/>
+          <p:cNvSpPr>
+            <a:spLocks noGrp="1"/>
+          </p:cNvSpPr>
+          <p:nvPr>
+            <p:ph type="sldNum" sz="quarter" idx="5"/>
+          </p:nvPr>
+        </p:nvSpPr>
+        <p:spPr/>
+        <p:txBody>
+          <a:bodyPr/>
+          <a:lstStyle/>
+          <a:p>
+            <a:fld id="{468435EF-951F-4A5E-9422-1E2A0372ABA1}" type="slidenum">
+              <a:rPr lang="en-GB" smtClean="0"/>
+              <a:t>2</a:t>
+            </a:fld>
+            <a:endParaRPr lang="en-GB"/>
+          </a:p>
+        </p:txBody>
+      </p:sp>
+    </p:spTree>
+    <p:extLst>
+      <p:ext uri="{BB962C8B-B14F-4D97-AF65-F5344CB8AC3E}">
+        <p14:creationId xmlns:p14="http://schemas.microsoft.com/office/powerpoint/2010/main" val="1290873343"/>
+      </p:ext>
+    </p:extLst>
+  </p:cSld>
+  <p:clrMapOvr>
+    <a:masterClrMapping/>
+  </p:clrMapOvr>
+</p:notes>
 </file>
 
 <file path=ppt/slideLayouts/slideLayout1.xml><?xml version="1.0" encoding="utf-8"?>
@@ -337,7 +1276,7 @@
           <a:p>
             <a:fld id="{C43A76A3-ADC8-4477-8FC1-B9DD55D84908}" type="datetime1">
               <a:rPr lang="en-US" smtClean="0"/>
-              <a:t>6/1/2023</a:t>
+              <a:t>6/2/2023</a:t>
             </a:fld>
             <a:endParaRPr lang="en-US" dirty="0"/>
           </a:p>
@@ -507,7 +1446,7 @@
           <a:p>
             <a:fld id="{D6762538-DC4D-4667-96E5-B3278DDF8B12}" type="datetime1">
               <a:rPr lang="en-US" smtClean="0"/>
-              <a:t>6/1/2023</a:t>
+              <a:t>6/2/2023</a:t>
             </a:fld>
             <a:endParaRPr lang="en-US"/>
           </a:p>
@@ -687,7 +1626,7 @@
           <a:p>
             <a:fld id="{05880548-5C08-4BE3-B63E-F2BB63B0B00C}" type="datetime1">
               <a:rPr lang="en-US" smtClean="0"/>
-              <a:t>6/1/2023</a:t>
+              <a:t>6/2/2023</a:t>
             </a:fld>
             <a:endParaRPr lang="en-US"/>
           </a:p>
@@ -857,7 +1796,7 @@
           <a:p>
             <a:fld id="{DE7F49BE-398D-479A-8A7E-5DDBCA61EDCB}" type="datetime1">
               <a:rPr lang="en-US" smtClean="0"/>
-              <a:t>6/1/2023</a:t>
+              <a:t>6/2/2023</a:t>
             </a:fld>
             <a:endParaRPr lang="en-US"/>
           </a:p>
@@ -1103,7 +2042,7 @@
           <a:p>
             <a:fld id="{CCD0C193-4974-4A1F-9C63-07D595E30D66}" type="datetime1">
               <a:rPr lang="en-US" smtClean="0"/>
-              <a:t>6/1/2023</a:t>
+              <a:t>6/2/2023</a:t>
             </a:fld>
             <a:endParaRPr lang="en-US"/>
           </a:p>
@@ -1335,7 +2274,7 @@
           <a:p>
             <a:fld id="{701AA87F-28D4-4BF0-B81F-877A89DFD5AC}" type="datetime1">
               <a:rPr lang="en-US" smtClean="0"/>
-              <a:t>6/1/2023</a:t>
+              <a:t>6/2/2023</a:t>
             </a:fld>
             <a:endParaRPr lang="en-US"/>
           </a:p>
@@ -1702,7 +2641,7 @@
           <a:p>
             <a:fld id="{A8A9F1F3-208B-49A3-B337-9C8ACEB3E0E1}" type="datetime1">
               <a:rPr lang="en-US" smtClean="0"/>
-              <a:t>6/1/2023</a:t>
+              <a:t>6/2/2023</a:t>
             </a:fld>
             <a:endParaRPr lang="en-US"/>
           </a:p>
@@ -1820,7 +2759,7 @@
           <a:p>
             <a:fld id="{27AF6CA6-7293-4AA2-A0E0-A3BF4416E786}" type="datetime1">
               <a:rPr lang="en-US" smtClean="0"/>
-              <a:t>6/1/2023</a:t>
+              <a:t>6/2/2023</a:t>
             </a:fld>
             <a:endParaRPr lang="en-US"/>
           </a:p>
@@ -1915,7 +2854,7 @@
           <a:p>
             <a:fld id="{98D87016-7BCD-46FB-8EE3-AB6C369108B4}" type="datetime1">
               <a:rPr lang="en-US" smtClean="0"/>
-              <a:t>6/1/2023</a:t>
+              <a:t>6/2/2023</a:t>
             </a:fld>
             <a:endParaRPr lang="en-US"/>
           </a:p>
@@ -2192,7 +3131,7 @@
           <a:p>
             <a:fld id="{A1547011-1FFC-4EF8-9A2E-53B4AD2ADBD4}" type="datetime1">
               <a:rPr lang="en-US" smtClean="0"/>
-              <a:t>6/1/2023</a:t>
+              <a:t>6/2/2023</a:t>
             </a:fld>
             <a:endParaRPr lang="en-US"/>
           </a:p>
@@ -2445,7 +3384,7 @@
           <a:p>
             <a:fld id="{9562EB47-45B4-4EF5-A743-B4885DD2F060}" type="datetime1">
               <a:rPr lang="en-US" smtClean="0"/>
-              <a:t>6/1/2023</a:t>
+              <a:t>6/2/2023</a:t>
             </a:fld>
             <a:endParaRPr lang="en-US"/>
           </a:p>
@@ -2658,7 +3597,7 @@
           <a:p>
             <a:fld id="{4A8D24A4-5FEC-4062-8995-EB21925B3B40}" type="datetime1">
               <a:rPr lang="en-US" smtClean="0"/>
-              <a:t>6/1/2023</a:t>
+              <a:t>6/2/2023</a:t>
             </a:fld>
             <a:endParaRPr lang="en-US" sz="1000" dirty="0"/>
           </a:p>
@@ -3074,7 +4013,7 @@
           <p:nvPr/>
         </p:nvPicPr>
         <p:blipFill rotWithShape="1">
-          <a:blip r:embed="rId2" cstate="hqprint">
+          <a:blip r:embed="rId3" cstate="hqprint">
             <a:extLst>
               <a:ext uri="{28A0092B-C50C-407E-A947-70E740481C1C}">
                 <a14:useLocalDpi xmlns:a14="http://schemas.microsoft.com/office/drawing/2010/main" val="0"/>
@@ -3129,104 +4068,24 @@
                   <a:srgbClr val="FFFF00"/>
                 </a:solidFill>
               </a:rPr>
-              <a:t>Did s</a:t>
-            </a:r>
-            <a:r>
-              <a:rPr lang="en-US" sz="3800" b="1" dirty="0" smtClean="0">
-                <a:solidFill>
-                  <a:srgbClr val="FFFF00"/>
-                </a:solidFill>
-              </a:rPr>
-              <a:t>tringency </a:t>
-            </a:r>
-            <a:r>
+              <a:t>Did stringency measures influence happiness across the world over the course of the pandemic?</a:t>
+            </a:r>
+            <a:br>
               <a:rPr lang="en-US" sz="3800" b="1" dirty="0">
                 <a:solidFill>
                   <a:srgbClr val="FFFF00"/>
                 </a:solidFill>
               </a:rPr>
-              <a:t>m</a:t>
-            </a:r>
-            <a:r>
-              <a:rPr lang="en-US" sz="3800" b="1" dirty="0" smtClean="0">
-                <a:solidFill>
-                  <a:srgbClr val="FFFF00"/>
-                </a:solidFill>
-              </a:rPr>
-              <a:t>easures </a:t>
-            </a:r>
-            <a:r>
-              <a:rPr lang="en-US" sz="3800" b="1" dirty="0">
-                <a:solidFill>
-                  <a:srgbClr val="FFFF00"/>
-                </a:solidFill>
-              </a:rPr>
-              <a:t>influence </a:t>
-            </a:r>
-            <a:r>
-              <a:rPr lang="en-US" sz="3800" b="1" dirty="0" smtClean="0">
-                <a:solidFill>
-                  <a:srgbClr val="FFFF00"/>
-                </a:solidFill>
-              </a:rPr>
-              <a:t>happiness </a:t>
-            </a:r>
-            <a:r>
-              <a:rPr lang="en-US" sz="3800" b="1" dirty="0">
-                <a:solidFill>
-                  <a:srgbClr val="FFFF00"/>
-                </a:solidFill>
-              </a:rPr>
-              <a:t>across the w</a:t>
-            </a:r>
-            <a:r>
-              <a:rPr lang="en-US" sz="3800" b="1" dirty="0" smtClean="0">
-                <a:solidFill>
-                  <a:srgbClr val="FFFF00"/>
-                </a:solidFill>
-              </a:rPr>
-              <a:t>orld </a:t>
-            </a:r>
-            <a:r>
-              <a:rPr lang="en-US" sz="3800" b="1" dirty="0">
-                <a:solidFill>
-                  <a:srgbClr val="FFFF00"/>
-                </a:solidFill>
-              </a:rPr>
-              <a:t>over the course of the p</a:t>
-            </a:r>
-            <a:r>
-              <a:rPr lang="en-US" sz="3800" b="1" dirty="0" smtClean="0">
-                <a:solidFill>
-                  <a:srgbClr val="FFFF00"/>
-                </a:solidFill>
-              </a:rPr>
-              <a:t>andemic?</a:t>
-            </a:r>
+            </a:br>
             <a:br>
-              <a:rPr lang="en-US" sz="3800" b="1" dirty="0" smtClean="0">
+              <a:rPr lang="en-US" sz="1300" b="1" dirty="0">
                 <a:solidFill>
                   <a:srgbClr val="FFFF00"/>
                 </a:solidFill>
               </a:rPr>
             </a:br>
             <a:r>
-              <a:rPr lang="en-US" sz="1300" b="1" dirty="0" smtClean="0">
-                <a:solidFill>
-                  <a:srgbClr val="FFFF00"/>
-                </a:solidFill>
-              </a:rPr>
-              <a:t/>
-            </a:r>
-            <a:br>
-              <a:rPr lang="en-US" sz="1300" b="1" dirty="0" smtClean="0">
-                <a:solidFill>
-                  <a:srgbClr val="FFFF00"/>
-                </a:solidFill>
-              </a:rPr>
-            </a:br>
-            <a:r>
-              <a:rPr lang="en-US" sz="2700" b="1" i="1" dirty="0" smtClean="0">
+              <a:rPr lang="en-US" sz="2700" b="1" i="1" dirty="0">
                 <a:solidFill>
                   <a:srgbClr val="FFFF00"/>
                 </a:solidFill>
@@ -3234,7 +4093,7 @@
               <a:t>Benjamin </a:t>
             </a:r>
             <a:r>
-              <a:rPr lang="en-US" sz="2700" b="1" i="1" dirty="0" err="1" smtClean="0">
+              <a:rPr lang="en-US" sz="2700" b="1" i="1" dirty="0" err="1">
                 <a:solidFill>
                   <a:srgbClr val="FFFF00"/>
                 </a:solidFill>
@@ -3242,7 +4101,7 @@
               <a:t>Strusch</a:t>
             </a:r>
             <a:r>
-              <a:rPr lang="en-US" sz="2700" b="1" i="1" dirty="0" smtClean="0">
+              <a:rPr lang="en-US" sz="2700" b="1" i="1" dirty="0">
                 <a:solidFill>
                   <a:srgbClr val="FFFF00"/>
                 </a:solidFill>
@@ -3250,7 +4109,7 @@
               <a:t>, Nils Müller, Svea </a:t>
             </a:r>
             <a:r>
-              <a:rPr lang="en-US" sz="2700" b="1" i="1" dirty="0" err="1" smtClean="0">
+              <a:rPr lang="en-US" sz="2700" b="1" i="1" dirty="0" err="1">
                 <a:solidFill>
                   <a:srgbClr val="FFFF00"/>
                 </a:solidFill>
@@ -3289,11 +4148,7 @@
           <a:p>
             <a:r>
               <a:rPr lang="en-US" sz="1100" dirty="0"/>
-              <a:t>Photo by the </a:t>
-            </a:r>
-            <a:r>
-              <a:rPr lang="en-US" sz="1100" dirty="0" smtClean="0"/>
-              <a:t>blowup</a:t>
+              <a:t>Photo by the blowup</a:t>
             </a:r>
             <a:endParaRPr lang="de-CH" sz="1100" dirty="0"/>
           </a:p>
@@ -3309,92 +4164,6 @@
   <p:clrMapOvr>
     <a:masterClrMapping/>
   </p:clrMapOvr>
-  <p:timing>
-    <p:tnLst>
-      <p:par>
-        <p:cTn id="1" dur="indefinite" restart="never" nodeType="tmRoot">
-          <p:childTnLst>
-            <p:seq concurrent="1" nextAc="seek">
-              <p:cTn id="2" dur="indefinite" nodeType="mainSeq">
-                <p:childTnLst>
-                  <p:par>
-                    <p:cTn id="3" fill="hold">
-                      <p:stCondLst>
-                        <p:cond delay="indefinite"/>
-                      </p:stCondLst>
-                      <p:childTnLst>
-                        <p:par>
-                          <p:cTn id="4" fill="hold">
-                            <p:stCondLst>
-                              <p:cond delay="0"/>
-                            </p:stCondLst>
-                            <p:childTnLst>
-                              <p:par>
-                                <p:cTn id="5" presetID="10" presetClass="entr" presetSubtype="0" fill="hold" grpId="0" nodeType="clickEffect">
-                                  <p:stCondLst>
-                                    <p:cond delay="0"/>
-                                  </p:stCondLst>
-                                  <p:childTnLst>
-                                    <p:set>
-                                      <p:cBhvr>
-                                        <p:cTn id="6" dur="1" fill="hold">
-                                          <p:stCondLst>
-                                            <p:cond delay="0"/>
-                                          </p:stCondLst>
-                                        </p:cTn>
-                                        <p:tgtEl>
-                                          <p:spTgt spid="4"/>
-                                        </p:tgtEl>
-                                        <p:attrNameLst>
-                                          <p:attrName>style.visibility</p:attrName>
-                                        </p:attrNameLst>
-                                      </p:cBhvr>
-                                      <p:to>
-                                        <p:strVal val="visible"/>
-                                      </p:to>
-                                    </p:set>
-                                    <p:animEffect transition="in" filter="fade">
-                                      <p:cBhvr>
-                                        <p:cTn id="7" dur="500"/>
-                                        <p:tgtEl>
-                                          <p:spTgt spid="4"/>
-                                        </p:tgtEl>
-                                      </p:cBhvr>
-                                    </p:animEffect>
-                                  </p:childTnLst>
-                                </p:cTn>
-                              </p:par>
-                            </p:childTnLst>
-                          </p:cTn>
-                        </p:par>
-                      </p:childTnLst>
-                    </p:cTn>
-                  </p:par>
-                </p:childTnLst>
-              </p:cTn>
-              <p:prevCondLst>
-                <p:cond evt="onPrev" delay="0">
-                  <p:tgtEl>
-                    <p:sldTgt/>
-                  </p:tgtEl>
-                </p:cond>
-              </p:prevCondLst>
-              <p:nextCondLst>
-                <p:cond evt="onNext" delay="0">
-                  <p:tgtEl>
-                    <p:sldTgt/>
-                  </p:tgtEl>
-                </p:cond>
-              </p:nextCondLst>
-            </p:seq>
-          </p:childTnLst>
-        </p:cTn>
-      </p:par>
-    </p:tnLst>
-    <p:bldLst>
-      <p:bldP spid="4" grpId="0"/>
-    </p:bldLst>
-  </p:timing>
 </p:sld>
 </file>
 
@@ -3424,7 +4193,7 @@
           <p:nvPr/>
         </p:nvPicPr>
         <p:blipFill>
-          <a:blip r:embed="rId2">
+          <a:blip r:embed="rId3">
             <a:extLst>
               <a:ext uri="{28A0092B-C50C-407E-A947-70E740481C1C}">
                 <a14:useLocalDpi xmlns:a14="http://schemas.microsoft.com/office/drawing/2010/main" val="0"/>
@@ -3445,23 +4214,75 @@
           </a:prstGeom>
         </p:spPr>
       </p:pic>
-      <p:sp>
-        <p:nvSpPr>
-          <p:cNvPr id="5" name="Rectangle 4"/>
-          <p:cNvSpPr/>
-          <p:nvPr/>
+    </p:spTree>
+    <p:extLst>
+      <p:ext uri="{BB962C8B-B14F-4D97-AF65-F5344CB8AC3E}">
+        <p14:creationId xmlns:p14="http://schemas.microsoft.com/office/powerpoint/2010/main" val="2515642859"/>
+      </p:ext>
+    </p:extLst>
+  </p:cSld>
+  <p:clrMapOvr>
+    <a:masterClrMapping/>
+  </p:clrMapOvr>
+</p:sld>
+</file>
+
+<file path=ppt/slides/slide3.xml><?xml version="1.0" encoding="utf-8"?>
+<p:sld xmlns:a="http://schemas.openxmlformats.org/drawingml/2006/main" xmlns:r="http://schemas.openxmlformats.org/officeDocument/2006/relationships" xmlns:p="http://schemas.openxmlformats.org/presentationml/2006/main">
+  <p:cSld>
+    <p:bg>
+      <p:bgPr>
+        <a:solidFill>
+          <a:schemeClr val="bg1"/>
+        </a:solidFill>
+        <a:effectLst/>
+      </p:bgPr>
+    </p:bg>
+    <p:spTree>
+      <p:nvGrpSpPr>
+        <p:cNvPr id="1" name=""/>
+        <p:cNvGrpSpPr/>
+        <p:nvPr/>
+      </p:nvGrpSpPr>
+      <p:grpSpPr>
+        <a:xfrm>
+          <a:off x="0" y="0"/>
+          <a:ext cx="0" cy="0"/>
+          <a:chOff x="0" y="0"/>
+          <a:chExt cx="0" cy="0"/>
+        </a:xfrm>
+      </p:grpSpPr>
+      <p:sp useBgFill="1">
+        <p:nvSpPr>
+          <p:cNvPr id="42" name="Rectangle 8">
+            <a:extLst>
+              <a:ext uri="{FF2B5EF4-FFF2-40B4-BE49-F238E27FC236}">
+                <a16:creationId xmlns:a16="http://schemas.microsoft.com/office/drawing/2014/main" id="{C1DD1A8A-57D5-4A81-AD04-532B043C5611}"/>
+              </a:ext>
+              <a:ext uri="{C183D7F6-B498-43B3-948B-1728B52AA6E4}">
+                <adec:decorative xmlns:adec="http://schemas.microsoft.com/office/drawing/2017/decorative" val="1"/>
+              </a:ext>
+            </a:extLst>
+          </p:cNvPr>
+          <p:cNvSpPr>
+            <a:spLocks noGrp="1" noRot="1" noChangeAspect="1" noMove="1" noResize="1" noEditPoints="1" noAdjustHandles="1" noChangeArrowheads="1" noChangeShapeType="1" noTextEdit="1"/>
+          </p:cNvSpPr>
+          <p:nvPr>
+            <p:extLst>
+              <p:ext uri="{386F3935-93C4-4BCD-93E2-E3B085C9AB24}">
+                <p16:designElem xmlns:p16="http://schemas.microsoft.com/office/powerpoint/2015/main" val="1"/>
+              </p:ext>
+            </p:extLst>
+          </p:nvPr>
         </p:nvSpPr>
         <p:spPr>
           <a:xfrm>
-            <a:off x="1877568" y="1109472"/>
-            <a:ext cx="8997696" cy="5145024"/>
+            <a:off x="-1" y="0"/>
+            <a:ext cx="12188952" cy="6858000"/>
           </a:xfrm>
           <a:prstGeom prst="rect">
             <a:avLst/>
           </a:prstGeom>
-          <a:solidFill>
-            <a:schemeClr val="bg1"/>
-          </a:solidFill>
           <a:ln>
             <a:noFill/>
           </a:ln>
@@ -3487,106 +4308,232 @@
           <a:lstStyle/>
           <a:p>
             <a:pPr algn="ctr"/>
-            <a:endParaRPr lang="de-CH"/>
+            <a:endParaRPr lang="en-US"/>
+          </a:p>
+        </p:txBody>
+      </p:sp>
+      <p:pic>
+        <p:nvPicPr>
+          <p:cNvPr id="4" name="Picture 3">
+            <a:extLst>
+              <a:ext uri="{FF2B5EF4-FFF2-40B4-BE49-F238E27FC236}">
+                <a16:creationId xmlns:a16="http://schemas.microsoft.com/office/drawing/2014/main" id="{A2ED5C42-4A3F-D82C-3ACC-0F86D6AAAD90}"/>
+              </a:ext>
+            </a:extLst>
+          </p:cNvPr>
+          <p:cNvPicPr>
+            <a:picLocks noChangeAspect="1"/>
+          </p:cNvPicPr>
+          <p:nvPr/>
+        </p:nvPicPr>
+        <p:blipFill rotWithShape="1">
+          <a:blip r:embed="rId2" cstate="hqprint">
+            <a:extLst>
+              <a:ext uri="{28A0092B-C50C-407E-A947-70E740481C1C}">
+                <a14:useLocalDpi xmlns:a14="http://schemas.microsoft.com/office/drawing/2010/main" val="0"/>
+              </a:ext>
+            </a:extLst>
+          </a:blip>
+          <a:srcRect t="15730"/>
+          <a:stretch/>
+        </p:blipFill>
+        <p:spPr>
+          <a:xfrm>
+            <a:off x="-3047" y="10"/>
+            <a:ext cx="12191999" cy="6857990"/>
+          </a:xfrm>
+          <a:prstGeom prst="rect">
+            <a:avLst/>
+          </a:prstGeom>
+        </p:spPr>
+      </p:pic>
+      <p:sp>
+        <p:nvSpPr>
+          <p:cNvPr id="43" name="Rectangle 10">
+            <a:extLst>
+              <a:ext uri="{FF2B5EF4-FFF2-40B4-BE49-F238E27FC236}">
+                <a16:creationId xmlns:a16="http://schemas.microsoft.com/office/drawing/2014/main" id="{007891EC-4501-44ED-A8C8-B11B6DB767AB}"/>
+              </a:ext>
+              <a:ext uri="{C183D7F6-B498-43B3-948B-1728B52AA6E4}">
+                <adec:decorative xmlns:adec="http://schemas.microsoft.com/office/drawing/2017/decorative" val="1"/>
+              </a:ext>
+            </a:extLst>
+          </p:cNvPr>
+          <p:cNvSpPr>
+            <a:spLocks noGrp="1" noRot="1" noChangeAspect="1" noMove="1" noResize="1" noEditPoints="1" noAdjustHandles="1" noChangeArrowheads="1" noChangeShapeType="1" noTextEdit="1"/>
+          </p:cNvSpPr>
+          <p:nvPr>
+            <p:extLst>
+              <p:ext uri="{386F3935-93C4-4BCD-93E2-E3B085C9AB24}">
+                <p16:designElem xmlns:p16="http://schemas.microsoft.com/office/powerpoint/2015/main" val="1"/>
+              </p:ext>
+            </p:extLst>
+          </p:nvPr>
+        </p:nvSpPr>
+        <p:spPr>
+          <a:xfrm>
+            <a:off x="0" y="2207602"/>
+            <a:ext cx="12191999" cy="3162146"/>
+          </a:xfrm>
+          <a:prstGeom prst="rect">
+            <a:avLst/>
+          </a:prstGeom>
+          <a:gradFill flip="none" rotWithShape="1">
+            <a:gsLst>
+              <a:gs pos="0">
+                <a:srgbClr val="000000">
+                  <a:alpha val="0"/>
+                </a:srgbClr>
+              </a:gs>
+              <a:gs pos="25000">
+                <a:srgbClr val="000000">
+                  <a:alpha val="15000"/>
+                </a:srgbClr>
+              </a:gs>
+              <a:gs pos="75000">
+                <a:srgbClr val="000000">
+                  <a:alpha val="15000"/>
+                </a:srgbClr>
+              </a:gs>
+              <a:gs pos="50000">
+                <a:srgbClr val="000000">
+                  <a:alpha val="30000"/>
+                </a:srgbClr>
+              </a:gs>
+              <a:gs pos="100000">
+                <a:srgbClr val="000000">
+                  <a:alpha val="0"/>
+                </a:srgbClr>
+              </a:gs>
+            </a:gsLst>
+            <a:lin ang="16200000" scaled="1"/>
+            <a:tileRect/>
+          </a:gradFill>
+          <a:ln>
+            <a:noFill/>
+          </a:ln>
+        </p:spPr>
+        <p:style>
+          <a:lnRef idx="2">
+            <a:schemeClr val="accent1">
+              <a:shade val="50000"/>
+            </a:schemeClr>
+          </a:lnRef>
+          <a:fillRef idx="1">
+            <a:schemeClr val="accent1"/>
+          </a:fillRef>
+          <a:effectRef idx="0">
+            <a:schemeClr val="accent1"/>
+          </a:effectRef>
+          <a:fontRef idx="minor">
+            <a:schemeClr val="lt1"/>
+          </a:fontRef>
+        </p:style>
+        <p:txBody>
+          <a:bodyPr rtlCol="0" anchor="ctr"/>
+          <a:lstStyle/>
+          <a:p>
+            <a:pPr algn="ctr"/>
+            <a:endParaRPr lang="en-US"/>
+          </a:p>
+        </p:txBody>
+      </p:sp>
+      <p:sp>
+        <p:nvSpPr>
+          <p:cNvPr id="2" name="Title 1">
+            <a:extLst>
+              <a:ext uri="{FF2B5EF4-FFF2-40B4-BE49-F238E27FC236}">
+                <a16:creationId xmlns:a16="http://schemas.microsoft.com/office/drawing/2014/main" id="{34196856-6420-60D4-5C39-F283F63292E2}"/>
+              </a:ext>
+            </a:extLst>
+          </p:cNvPr>
+          <p:cNvSpPr>
+            <a:spLocks noGrp="1"/>
+          </p:cNvSpPr>
+          <p:nvPr>
+            <p:ph type="ctrTitle"/>
+          </p:nvPr>
+        </p:nvSpPr>
+        <p:spPr>
+          <a:xfrm>
+            <a:off x="1097280" y="325550"/>
+            <a:ext cx="10058400" cy="3574778"/>
+          </a:xfrm>
+          <a:effectLst>
+            <a:outerShdw blurRad="50800" dist="38100" dir="2700000" algn="tl" rotWithShape="0">
+              <a:prstClr val="black">
+                <a:alpha val="40000"/>
+              </a:prstClr>
+            </a:outerShdw>
+          </a:effectLst>
+        </p:spPr>
+        <p:txBody>
+          <a:bodyPr>
+            <a:normAutofit/>
+          </a:bodyPr>
+          <a:lstStyle/>
+          <a:p>
+            <a:endParaRPr lang="en-GB" sz="5200">
+              <a:solidFill>
+                <a:srgbClr val="FFFFFF"/>
+              </a:solidFill>
+            </a:endParaRPr>
+          </a:p>
+        </p:txBody>
+      </p:sp>
+      <p:sp>
+        <p:nvSpPr>
+          <p:cNvPr id="3" name="Subtitle 2">
+            <a:extLst>
+              <a:ext uri="{FF2B5EF4-FFF2-40B4-BE49-F238E27FC236}">
+                <a16:creationId xmlns:a16="http://schemas.microsoft.com/office/drawing/2014/main" id="{F0674F33-153C-B281-F6A8-68D3064FF31A}"/>
+              </a:ext>
+            </a:extLst>
+          </p:cNvPr>
+          <p:cNvSpPr>
+            <a:spLocks noGrp="1"/>
+          </p:cNvSpPr>
+          <p:nvPr>
+            <p:ph type="subTitle" idx="1"/>
+          </p:nvPr>
+        </p:nvSpPr>
+        <p:spPr>
+          <a:xfrm>
+            <a:off x="1100051" y="4072043"/>
+            <a:ext cx="10058400" cy="1282707"/>
+          </a:xfrm>
+          <a:effectLst>
+            <a:outerShdw blurRad="50800" dist="38100" dir="2700000" algn="tl" rotWithShape="0">
+              <a:prstClr val="black">
+                <a:alpha val="40000"/>
+              </a:prstClr>
+            </a:outerShdw>
+          </a:effectLst>
+        </p:spPr>
+        <p:txBody>
+          <a:bodyPr>
+            <a:normAutofit/>
+          </a:bodyPr>
+          <a:lstStyle/>
+          <a:p>
+            <a:endParaRPr lang="en-GB">
+              <a:solidFill>
+                <a:srgbClr val="FFFFFF"/>
+              </a:solidFill>
+            </a:endParaRPr>
           </a:p>
         </p:txBody>
       </p:sp>
     </p:spTree>
     <p:extLst>
       <p:ext uri="{BB962C8B-B14F-4D97-AF65-F5344CB8AC3E}">
-        <p14:creationId xmlns:p14="http://schemas.microsoft.com/office/powerpoint/2010/main" val="2515642859"/>
+        <p14:creationId xmlns:p14="http://schemas.microsoft.com/office/powerpoint/2010/main" val="2296940343"/>
       </p:ext>
     </p:extLst>
   </p:cSld>
   <p:clrMapOvr>
     <a:masterClrMapping/>
   </p:clrMapOvr>
-  <p:timing>
-    <p:tnLst>
-      <p:par>
-        <p:cTn id="1" dur="indefinite" restart="never" nodeType="tmRoot">
-          <p:childTnLst>
-            <p:seq concurrent="1" nextAc="seek">
-              <p:cTn id="2" dur="indefinite" nodeType="mainSeq">
-                <p:childTnLst>
-                  <p:par>
-                    <p:cTn id="3" fill="hold">
-                      <p:stCondLst>
-                        <p:cond delay="indefinite"/>
-                      </p:stCondLst>
-                      <p:childTnLst>
-                        <p:par>
-                          <p:cTn id="4" fill="hold">
-                            <p:stCondLst>
-                              <p:cond delay="0"/>
-                            </p:stCondLst>
-                            <p:childTnLst>
-                              <p:par>
-                                <p:cTn id="5" presetID="10" presetClass="exit" presetSubtype="0" fill="hold" grpId="0" nodeType="clickEffect">
-                                  <p:stCondLst>
-                                    <p:cond delay="0"/>
-                                  </p:stCondLst>
-                                  <p:childTnLst>
-                                    <p:animEffect transition="out" filter="fade">
-                                      <p:cBhvr>
-                                        <p:cTn id="6" dur="500"/>
-                                        <p:tgtEl>
-                                          <p:spTgt spid="5"/>
-                                        </p:tgtEl>
-                                      </p:cBhvr>
-                                    </p:animEffect>
-                                    <p:set>
-                                      <p:cBhvr>
-                                        <p:cTn id="7" dur="1" fill="hold">
-                                          <p:stCondLst>
-                                            <p:cond delay="499"/>
-                                          </p:stCondLst>
-                                        </p:cTn>
-                                        <p:tgtEl>
-                                          <p:spTgt spid="5"/>
-                                        </p:tgtEl>
-                                        <p:attrNameLst>
-                                          <p:attrName>style.visibility</p:attrName>
-                                        </p:attrNameLst>
-                                      </p:cBhvr>
-                                      <p:to>
-                                        <p:strVal val="hidden"/>
-                                      </p:to>
-                                    </p:set>
-                                  </p:childTnLst>
-                                </p:cTn>
-                              </p:par>
-                            </p:childTnLst>
-                          </p:cTn>
-                        </p:par>
-                      </p:childTnLst>
-                    </p:cTn>
-                  </p:par>
-                </p:childTnLst>
-              </p:cTn>
-              <p:prevCondLst>
-                <p:cond evt="onPrev" delay="0">
-                  <p:tgtEl>
-                    <p:sldTgt/>
-                  </p:tgtEl>
-                </p:cond>
-              </p:prevCondLst>
-              <p:nextCondLst>
-                <p:cond evt="onNext" delay="0">
-                  <p:tgtEl>
-                    <p:sldTgt/>
-                  </p:tgtEl>
-                </p:cond>
-              </p:nextCondLst>
-            </p:seq>
-          </p:childTnLst>
-        </p:cTn>
-      </p:par>
-    </p:tnLst>
-    <p:bldLst>
-      <p:bldP spid="5" grpId="0" animBg="1"/>
-    </p:bldLst>
-  </p:timing>
 </p:sld>
 </file>
 
@@ -3849,4 +4796,299 @@
     </a:ext>
   </a:extLst>
 </a:theme>
+</file>
+
+<file path=ppt/theme/theme2.xml><?xml version="1.0" encoding="utf-8"?>
+<a:theme xmlns:a="http://schemas.openxmlformats.org/drawingml/2006/main" name="Office Theme">
+  <a:themeElements>
+    <a:clrScheme name="Office">
+      <a:dk1>
+        <a:sysClr val="windowText" lastClr="000000"/>
+      </a:dk1>
+      <a:lt1>
+        <a:sysClr val="window" lastClr="FFFFFF"/>
+      </a:lt1>
+      <a:dk2>
+        <a:srgbClr val="44546A"/>
+      </a:dk2>
+      <a:lt2>
+        <a:srgbClr val="E7E6E6"/>
+      </a:lt2>
+      <a:accent1>
+        <a:srgbClr val="4472C4"/>
+      </a:accent1>
+      <a:accent2>
+        <a:srgbClr val="ED7D31"/>
+      </a:accent2>
+      <a:accent3>
+        <a:srgbClr val="A5A5A5"/>
+      </a:accent3>
+      <a:accent4>
+        <a:srgbClr val="FFC000"/>
+      </a:accent4>
+      <a:accent5>
+        <a:srgbClr val="5B9BD5"/>
+      </a:accent5>
+      <a:accent6>
+        <a:srgbClr val="70AD47"/>
+      </a:accent6>
+      <a:hlink>
+        <a:srgbClr val="0563C1"/>
+      </a:hlink>
+      <a:folHlink>
+        <a:srgbClr val="954F72"/>
+      </a:folHlink>
+    </a:clrScheme>
+    <a:fontScheme name="Office">
+      <a:majorFont>
+        <a:latin typeface="Calibri Light" panose="020F0302020204030204"/>
+        <a:ea typeface=""/>
+        <a:cs typeface=""/>
+        <a:font script="Jpan" typeface="游ゴシック Light"/>
+        <a:font script="Hang" typeface="맑은 고딕"/>
+        <a:font script="Hans" typeface="等线 Light"/>
+        <a:font script="Hant" typeface="新細明體"/>
+        <a:font script="Arab" typeface="Times New Roman"/>
+        <a:font script="Hebr" typeface="Times New Roman"/>
+        <a:font script="Thai" typeface="Angsana New"/>
+        <a:font script="Ethi" typeface="Nyala"/>
+        <a:font script="Beng" typeface="Vrinda"/>
+        <a:font script="Gujr" typeface="Shruti"/>
+        <a:font script="Khmr" typeface="MoolBoran"/>
+        <a:font script="Knda" typeface="Tunga"/>
+        <a:font script="Guru" typeface="Raavi"/>
+        <a:font script="Cans" typeface="Euphemia"/>
+        <a:font script="Cher" typeface="Plantagenet Cherokee"/>
+        <a:font script="Yiii" typeface="Microsoft Yi Baiti"/>
+        <a:font script="Tibt" typeface="Microsoft Himalaya"/>
+        <a:font script="Thaa" typeface="MV Boli"/>
+        <a:font script="Deva" typeface="Mangal"/>
+        <a:font script="Telu" typeface="Gautami"/>
+        <a:font script="Taml" typeface="Latha"/>
+        <a:font script="Syrc" typeface="Estrangelo Edessa"/>
+        <a:font script="Orya" typeface="Kalinga"/>
+        <a:font script="Mlym" typeface="Kartika"/>
+        <a:font script="Laoo" typeface="DokChampa"/>
+        <a:font script="Sinh" typeface="Iskoola Pota"/>
+        <a:font script="Mong" typeface="Mongolian Baiti"/>
+        <a:font script="Viet" typeface="Times New Roman"/>
+        <a:font script="Uigh" typeface="Microsoft Uighur"/>
+        <a:font script="Geor" typeface="Sylfaen"/>
+        <a:font script="Armn" typeface="Arial"/>
+        <a:font script="Bugi" typeface="Leelawadee UI"/>
+        <a:font script="Bopo" typeface="Microsoft JhengHei"/>
+        <a:font script="Java" typeface="Javanese Text"/>
+        <a:font script="Lisu" typeface="Segoe UI"/>
+        <a:font script="Mymr" typeface="Myanmar Text"/>
+        <a:font script="Nkoo" typeface="Ebrima"/>
+        <a:font script="Olck" typeface="Nirmala UI"/>
+        <a:font script="Osma" typeface="Ebrima"/>
+        <a:font script="Phag" typeface="Phagspa"/>
+        <a:font script="Syrn" typeface="Estrangelo Edessa"/>
+        <a:font script="Syrj" typeface="Estrangelo Edessa"/>
+        <a:font script="Syre" typeface="Estrangelo Edessa"/>
+        <a:font script="Sora" typeface="Nirmala UI"/>
+        <a:font script="Tale" typeface="Microsoft Tai Le"/>
+        <a:font script="Talu" typeface="Microsoft New Tai Lue"/>
+        <a:font script="Tfng" typeface="Ebrima"/>
+      </a:majorFont>
+      <a:minorFont>
+        <a:latin typeface="Calibri" panose="020F0502020204030204"/>
+        <a:ea typeface=""/>
+        <a:cs typeface=""/>
+        <a:font script="Jpan" typeface="游ゴシック"/>
+        <a:font script="Hang" typeface="맑은 고딕"/>
+        <a:font script="Hans" typeface="等线"/>
+        <a:font script="Hant" typeface="新細明體"/>
+        <a:font script="Arab" typeface="Arial"/>
+        <a:font script="Hebr" typeface="Arial"/>
+        <a:font script="Thai" typeface="Cordia New"/>
+        <a:font script="Ethi" typeface="Nyala"/>
+        <a:font script="Beng" typeface="Vrinda"/>
+        <a:font script="Gujr" typeface="Shruti"/>
+        <a:font script="Khmr" typeface="DaunPenh"/>
+        <a:font script="Knda" typeface="Tunga"/>
+        <a:font script="Guru" typeface="Raavi"/>
+        <a:font script="Cans" typeface="Euphemia"/>
+        <a:font script="Cher" typeface="Plantagenet Cherokee"/>
+        <a:font script="Yiii" typeface="Microsoft Yi Baiti"/>
+        <a:font script="Tibt" typeface="Microsoft Himalaya"/>
+        <a:font script="Thaa" typeface="MV Boli"/>
+        <a:font script="Deva" typeface="Mangal"/>
+        <a:font script="Telu" typeface="Gautami"/>
+        <a:font script="Taml" typeface="Latha"/>
+        <a:font script="Syrc" typeface="Estrangelo Edessa"/>
+        <a:font script="Orya" typeface="Kalinga"/>
+        <a:font script="Mlym" typeface="Kartika"/>
+        <a:font script="Laoo" typeface="DokChampa"/>
+        <a:font script="Sinh" typeface="Iskoola Pota"/>
+        <a:font script="Mong" typeface="Mongolian Baiti"/>
+        <a:font script="Viet" typeface="Arial"/>
+        <a:font script="Uigh" typeface="Microsoft Uighur"/>
+        <a:font script="Geor" typeface="Sylfaen"/>
+        <a:font script="Armn" typeface="Arial"/>
+        <a:font script="Bugi" typeface="Leelawadee UI"/>
+        <a:font script="Bopo" typeface="Microsoft JhengHei"/>
+        <a:font script="Java" typeface="Javanese Text"/>
+        <a:font script="Lisu" typeface="Segoe UI"/>
+        <a:font script="Mymr" typeface="Myanmar Text"/>
+        <a:font script="Nkoo" typeface="Ebrima"/>
+        <a:font script="Olck" typeface="Nirmala UI"/>
+        <a:font script="Osma" typeface="Ebrima"/>
+        <a:font script="Phag" typeface="Phagspa"/>
+        <a:font script="Syrn" typeface="Estrangelo Edessa"/>
+        <a:font script="Syrj" typeface="Estrangelo Edessa"/>
+        <a:font script="Syre" typeface="Estrangelo Edessa"/>
+        <a:font script="Sora" typeface="Nirmala UI"/>
+        <a:font script="Tale" typeface="Microsoft Tai Le"/>
+        <a:font script="Talu" typeface="Microsoft New Tai Lue"/>
+        <a:font script="Tfng" typeface="Ebrima"/>
+      </a:minorFont>
+    </a:fontScheme>
+    <a:fmtScheme name="Office">
+      <a:fillStyleLst>
+        <a:solidFill>
+          <a:schemeClr val="phClr"/>
+        </a:solidFill>
+        <a:gradFill rotWithShape="1">
+          <a:gsLst>
+            <a:gs pos="0">
+              <a:schemeClr val="phClr">
+                <a:lumMod val="110000"/>
+                <a:satMod val="105000"/>
+                <a:tint val="67000"/>
+              </a:schemeClr>
+            </a:gs>
+            <a:gs pos="50000">
+              <a:schemeClr val="phClr">
+                <a:lumMod val="105000"/>
+                <a:satMod val="103000"/>
+                <a:tint val="73000"/>
+              </a:schemeClr>
+            </a:gs>
+            <a:gs pos="100000">
+              <a:schemeClr val="phClr">
+                <a:lumMod val="105000"/>
+                <a:satMod val="109000"/>
+                <a:tint val="81000"/>
+              </a:schemeClr>
+            </a:gs>
+          </a:gsLst>
+          <a:lin ang="5400000" scaled="0"/>
+        </a:gradFill>
+        <a:gradFill rotWithShape="1">
+          <a:gsLst>
+            <a:gs pos="0">
+              <a:schemeClr val="phClr">
+                <a:satMod val="103000"/>
+                <a:lumMod val="102000"/>
+                <a:tint val="94000"/>
+              </a:schemeClr>
+            </a:gs>
+            <a:gs pos="50000">
+              <a:schemeClr val="phClr">
+                <a:satMod val="110000"/>
+                <a:lumMod val="100000"/>
+                <a:shade val="100000"/>
+              </a:schemeClr>
+            </a:gs>
+            <a:gs pos="100000">
+              <a:schemeClr val="phClr">
+                <a:lumMod val="99000"/>
+                <a:satMod val="120000"/>
+                <a:shade val="78000"/>
+              </a:schemeClr>
+            </a:gs>
+          </a:gsLst>
+          <a:lin ang="5400000" scaled="0"/>
+        </a:gradFill>
+      </a:fillStyleLst>
+      <a:lnStyleLst>
+        <a:ln w="6350" cap="flat" cmpd="sng" algn="ctr">
+          <a:solidFill>
+            <a:schemeClr val="phClr"/>
+          </a:solidFill>
+          <a:prstDash val="solid"/>
+          <a:miter lim="800000"/>
+        </a:ln>
+        <a:ln w="12700" cap="flat" cmpd="sng" algn="ctr">
+          <a:solidFill>
+            <a:schemeClr val="phClr"/>
+          </a:solidFill>
+          <a:prstDash val="solid"/>
+          <a:miter lim="800000"/>
+        </a:ln>
+        <a:ln w="19050" cap="flat" cmpd="sng" algn="ctr">
+          <a:solidFill>
+            <a:schemeClr val="phClr"/>
+          </a:solidFill>
+          <a:prstDash val="solid"/>
+          <a:miter lim="800000"/>
+        </a:ln>
+      </a:lnStyleLst>
+      <a:effectStyleLst>
+        <a:effectStyle>
+          <a:effectLst/>
+        </a:effectStyle>
+        <a:effectStyle>
+          <a:effectLst/>
+        </a:effectStyle>
+        <a:effectStyle>
+          <a:effectLst>
+            <a:outerShdw blurRad="57150" dist="19050" dir="5400000" algn="ctr" rotWithShape="0">
+              <a:srgbClr val="000000">
+                <a:alpha val="63000"/>
+              </a:srgbClr>
+            </a:outerShdw>
+          </a:effectLst>
+        </a:effectStyle>
+      </a:effectStyleLst>
+      <a:bgFillStyleLst>
+        <a:solidFill>
+          <a:schemeClr val="phClr"/>
+        </a:solidFill>
+        <a:solidFill>
+          <a:schemeClr val="phClr">
+            <a:tint val="95000"/>
+            <a:satMod val="170000"/>
+          </a:schemeClr>
+        </a:solidFill>
+        <a:gradFill rotWithShape="1">
+          <a:gsLst>
+            <a:gs pos="0">
+              <a:schemeClr val="phClr">
+                <a:tint val="93000"/>
+                <a:satMod val="150000"/>
+                <a:shade val="98000"/>
+                <a:lumMod val="102000"/>
+              </a:schemeClr>
+            </a:gs>
+            <a:gs pos="50000">
+              <a:schemeClr val="phClr">
+                <a:tint val="98000"/>
+                <a:satMod val="130000"/>
+                <a:shade val="90000"/>
+                <a:lumMod val="103000"/>
+              </a:schemeClr>
+            </a:gs>
+            <a:gs pos="100000">
+              <a:schemeClr val="phClr">
+                <a:shade val="63000"/>
+                <a:satMod val="120000"/>
+              </a:schemeClr>
+            </a:gs>
+          </a:gsLst>
+          <a:lin ang="5400000" scaled="0"/>
+        </a:gradFill>
+      </a:bgFillStyleLst>
+    </a:fmtScheme>
+  </a:themeElements>
+  <a:objectDefaults/>
+  <a:extraClrSchemeLst/>
+  <a:extLst>
+    <a:ext uri="{05A4C25C-085E-4340-85A3-A5531E510DB2}">
+      <thm15:themeFamily xmlns:thm15="http://schemas.microsoft.com/office/thememl/2012/main" name="Office Theme" id="{62F939B6-93AF-4DB8-9C6B-D6C7DFDC589F}" vid="{4A3C46E8-61CC-4603-A589-7422A47A8E4A}"/>
+    </a:ext>
+  </a:extLst>
+</a:theme>
 </file>
--- a/Final_short_StringencyHappiness.pptx
+++ b/Final_short_StringencyHappiness.pptx
@@ -10,7 +10,7 @@
   <p:sldIdLst>
     <p:sldId id="259" r:id="rId2"/>
     <p:sldId id="257" r:id="rId3"/>
-    <p:sldId id="260" r:id="rId4"/>
+    <p:sldId id="261" r:id="rId4"/>
   </p:sldIdLst>
   <p:sldSz cx="12192000" cy="6858000"/>
   <p:notesSz cx="6858000" cy="9144000"/>
@@ -1145,6 +1145,90 @@
 </p:notes>
 </file>
 
+<file path=ppt/notesSlides/notesSlide3.xml><?xml version="1.0" encoding="utf-8"?>
+<p:notes xmlns:a="http://schemas.openxmlformats.org/drawingml/2006/main" xmlns:r="http://schemas.openxmlformats.org/officeDocument/2006/relationships" xmlns:p="http://schemas.openxmlformats.org/presentationml/2006/main">
+  <p:cSld>
+    <p:spTree>
+      <p:nvGrpSpPr>
+        <p:cNvPr id="1" name=""/>
+        <p:cNvGrpSpPr/>
+        <p:nvPr/>
+      </p:nvGrpSpPr>
+      <p:grpSpPr>
+        <a:xfrm>
+          <a:off x="0" y="0"/>
+          <a:ext cx="0" cy="0"/>
+          <a:chOff x="0" y="0"/>
+          <a:chExt cx="0" cy="0"/>
+        </a:xfrm>
+      </p:grpSpPr>
+      <p:sp>
+        <p:nvSpPr>
+          <p:cNvPr id="2" name="Slide Image Placeholder 1"/>
+          <p:cNvSpPr>
+            <a:spLocks noGrp="1" noRot="1" noChangeAspect="1"/>
+          </p:cNvSpPr>
+          <p:nvPr>
+            <p:ph type="sldImg"/>
+          </p:nvPr>
+        </p:nvSpPr>
+        <p:spPr/>
+      </p:sp>
+      <p:sp>
+        <p:nvSpPr>
+          <p:cNvPr id="3" name="Notes Placeholder 2"/>
+          <p:cNvSpPr>
+            <a:spLocks noGrp="1"/>
+          </p:cNvSpPr>
+          <p:nvPr>
+            <p:ph type="body" idx="1"/>
+          </p:nvPr>
+        </p:nvSpPr>
+        <p:spPr/>
+        <p:txBody>
+          <a:bodyPr/>
+          <a:lstStyle/>
+          <a:p>
+            <a:endParaRPr lang="en-GB" dirty="0"/>
+          </a:p>
+        </p:txBody>
+      </p:sp>
+      <p:sp>
+        <p:nvSpPr>
+          <p:cNvPr id="4" name="Slide Number Placeholder 3"/>
+          <p:cNvSpPr>
+            <a:spLocks noGrp="1"/>
+          </p:cNvSpPr>
+          <p:nvPr>
+            <p:ph type="sldNum" sz="quarter" idx="5"/>
+          </p:nvPr>
+        </p:nvSpPr>
+        <p:spPr/>
+        <p:txBody>
+          <a:bodyPr/>
+          <a:lstStyle/>
+          <a:p>
+            <a:fld id="{468435EF-951F-4A5E-9422-1E2A0372ABA1}" type="slidenum">
+              <a:rPr lang="en-GB" smtClean="0"/>
+              <a:t>3</a:t>
+            </a:fld>
+            <a:endParaRPr lang="en-GB"/>
+          </a:p>
+        </p:txBody>
+      </p:sp>
+    </p:spTree>
+    <p:extLst>
+      <p:ext uri="{BB962C8B-B14F-4D97-AF65-F5344CB8AC3E}">
+        <p14:creationId xmlns:p14="http://schemas.microsoft.com/office/powerpoint/2010/main" val="2772812099"/>
+      </p:ext>
+    </p:extLst>
+  </p:cSld>
+  <p:clrMapOvr>
+    <a:masterClrMapping/>
+  </p:clrMapOvr>
+</p:notes>
+</file>
+
 <file path=ppt/slideLayouts/slideLayout1.xml><?xml version="1.0" encoding="utf-8"?>
 <p:sldLayout xmlns:a="http://schemas.openxmlformats.org/drawingml/2006/main" xmlns:r="http://schemas.openxmlformats.org/officeDocument/2006/relationships" xmlns:p="http://schemas.openxmlformats.org/presentationml/2006/main" type="title" preserve="1">
   <p:cSld name="Title Slide">
@@ -4077,6 +4161,14 @@
                 </a:solidFill>
               </a:rPr>
             </a:br>
+            <a:r>
+              <a:rPr lang="en-US" sz="1300" b="1" dirty="0">
+                <a:solidFill>
+                  <a:srgbClr val="FFFF00"/>
+                </a:solidFill>
+              </a:rPr>
+              <a:t/>
+            </a:r>
             <a:br>
               <a:rPr lang="en-US" sz="1300" b="1" dirty="0">
                 <a:solidFill>
@@ -4230,14 +4322,6 @@
 <file path=ppt/slides/slide3.xml><?xml version="1.0" encoding="utf-8"?>
 <p:sld xmlns:a="http://schemas.openxmlformats.org/drawingml/2006/main" xmlns:r="http://schemas.openxmlformats.org/officeDocument/2006/relationships" xmlns:p="http://schemas.openxmlformats.org/presentationml/2006/main">
   <p:cSld>
-    <p:bg>
-      <p:bgPr>
-        <a:solidFill>
-          <a:schemeClr val="bg1"/>
-        </a:solidFill>
-        <a:effectLst/>
-      </p:bgPr>
-    </p:bg>
     <p:spTree>
       <p:nvGrpSpPr>
         <p:cNvPr id="1" name=""/>
@@ -4252,69 +4336,9 @@
           <a:chExt cx="0" cy="0"/>
         </a:xfrm>
       </p:grpSpPr>
-      <p:sp useBgFill="1">
-        <p:nvSpPr>
-          <p:cNvPr id="42" name="Rectangle 8">
-            <a:extLst>
-              <a:ext uri="{FF2B5EF4-FFF2-40B4-BE49-F238E27FC236}">
-                <a16:creationId xmlns:a16="http://schemas.microsoft.com/office/drawing/2014/main" id="{C1DD1A8A-57D5-4A81-AD04-532B043C5611}"/>
-              </a:ext>
-              <a:ext uri="{C183D7F6-B498-43B3-948B-1728B52AA6E4}">
-                <adec:decorative xmlns:adec="http://schemas.microsoft.com/office/drawing/2017/decorative" val="1"/>
-              </a:ext>
-            </a:extLst>
-          </p:cNvPr>
-          <p:cNvSpPr>
-            <a:spLocks noGrp="1" noRot="1" noChangeAspect="1" noMove="1" noResize="1" noEditPoints="1" noAdjustHandles="1" noChangeArrowheads="1" noChangeShapeType="1" noTextEdit="1"/>
-          </p:cNvSpPr>
-          <p:nvPr>
-            <p:extLst>
-              <p:ext uri="{386F3935-93C4-4BCD-93E2-E3B085C9AB24}">
-                <p16:designElem xmlns:p16="http://schemas.microsoft.com/office/powerpoint/2015/main" val="1"/>
-              </p:ext>
-            </p:extLst>
-          </p:nvPr>
-        </p:nvSpPr>
-        <p:spPr>
-          <a:xfrm>
-            <a:off x="-1" y="0"/>
-            <a:ext cx="12188952" cy="6858000"/>
-          </a:xfrm>
-          <a:prstGeom prst="rect">
-            <a:avLst/>
-          </a:prstGeom>
-          <a:ln>
-            <a:noFill/>
-          </a:ln>
-        </p:spPr>
-        <p:style>
-          <a:lnRef idx="2">
-            <a:schemeClr val="accent1">
-              <a:shade val="50000"/>
-            </a:schemeClr>
-          </a:lnRef>
-          <a:fillRef idx="1">
-            <a:schemeClr val="accent1"/>
-          </a:fillRef>
-          <a:effectRef idx="0">
-            <a:schemeClr val="accent1"/>
-          </a:effectRef>
-          <a:fontRef idx="minor">
-            <a:schemeClr val="lt1"/>
-          </a:fontRef>
-        </p:style>
-        <p:txBody>
-          <a:bodyPr rtlCol="0" anchor="ctr"/>
-          <a:lstStyle/>
-          <a:p>
-            <a:pPr algn="ctr"/>
-            <a:endParaRPr lang="en-US"/>
-          </a:p>
-        </p:txBody>
-      </p:sp>
       <p:pic>
         <p:nvPicPr>
-          <p:cNvPr id="4" name="Picture 3">
+          <p:cNvPr id="5" name="Picture 4">
             <a:extLst>
               <a:ext uri="{FF2B5EF4-FFF2-40B4-BE49-F238E27FC236}">
                 <a16:creationId xmlns:a16="http://schemas.microsoft.com/office/drawing/2014/main" id="{A2ED5C42-4A3F-D82C-3ACC-0F86D6AAAD90}"/>
@@ -4327,7 +4351,7 @@
           <p:nvPr/>
         </p:nvPicPr>
         <p:blipFill rotWithShape="1">
-          <a:blip r:embed="rId2" cstate="hqprint">
+          <a:blip r:embed="rId3" cstate="hqprint">
             <a:extLst>
               <a:ext uri="{28A0092B-C50C-407E-A947-70E740481C1C}">
                 <a14:useLocalDpi xmlns:a14="http://schemas.microsoft.com/office/drawing/2010/main" val="0"/>
@@ -4349,185 +4373,163 @@
       </p:pic>
       <p:sp>
         <p:nvSpPr>
-          <p:cNvPr id="43" name="Rectangle 10">
+          <p:cNvPr id="4" name="Title 3">
             <a:extLst>
               <a:ext uri="{FF2B5EF4-FFF2-40B4-BE49-F238E27FC236}">
-                <a16:creationId xmlns:a16="http://schemas.microsoft.com/office/drawing/2014/main" id="{007891EC-4501-44ED-A8C8-B11B6DB767AB}"/>
-              </a:ext>
-              <a:ext uri="{C183D7F6-B498-43B3-948B-1728B52AA6E4}">
-                <adec:decorative xmlns:adec="http://schemas.microsoft.com/office/drawing/2017/decorative" val="1"/>
+                <a16:creationId xmlns:a16="http://schemas.microsoft.com/office/drawing/2014/main" id="{C2BF7890-5B34-538C-7791-C1E5D2F48B8F}"/>
               </a:ext>
             </a:extLst>
           </p:cNvPr>
           <p:cNvSpPr>
-            <a:spLocks noGrp="1" noRot="1" noChangeAspect="1" noMove="1" noResize="1" noEditPoints="1" noAdjustHandles="1" noChangeArrowheads="1" noChangeShapeType="1" noTextEdit="1"/>
-          </p:cNvSpPr>
-          <p:nvPr>
-            <p:extLst>
-              <p:ext uri="{386F3935-93C4-4BCD-93E2-E3B085C9AB24}">
-                <p16:designElem xmlns:p16="http://schemas.microsoft.com/office/powerpoint/2015/main" val="1"/>
-              </p:ext>
-            </p:extLst>
+            <a:spLocks noGrp="1"/>
+          </p:cNvSpPr>
+          <p:nvPr>
+            <p:ph type="ctrTitle"/>
           </p:nvPr>
         </p:nvSpPr>
         <p:spPr>
           <a:xfrm>
-            <a:off x="0" y="2207602"/>
-            <a:ext cx="12191999" cy="3162146"/>
+            <a:off x="5718048" y="1041404"/>
+            <a:ext cx="6338570" cy="3774436"/>
+          </a:xfrm>
+          <a:solidFill>
+            <a:srgbClr val="000000"/>
+          </a:solidFill>
+        </p:spPr>
+        <p:txBody>
+          <a:bodyPr vert="horz" lIns="91440" tIns="45720" rIns="91440" bIns="45720" rtlCol="0" anchor="ctr">
+            <a:normAutofit/>
+          </a:bodyPr>
+          <a:lstStyle/>
+          <a:p>
+            <a:pPr algn="ctr"/>
+            <a:r>
+              <a:rPr lang="en-US" sz="3800" b="1" dirty="0" smtClean="0">
+                <a:solidFill>
+                  <a:srgbClr val="FFFF00"/>
+                </a:solidFill>
+              </a:rPr>
+              <a:t>SORRY, WE ARE CLOSED – </a:t>
+            </a:r>
+            <a:br>
+              <a:rPr lang="en-US" sz="3800" b="1" dirty="0" smtClean="0">
+                <a:solidFill>
+                  <a:srgbClr val="FFFF00"/>
+                </a:solidFill>
+              </a:rPr>
+            </a:br>
+            <a:r>
+              <a:rPr lang="en-US" sz="3800" b="1" dirty="0" smtClean="0">
+                <a:solidFill>
+                  <a:srgbClr val="FFFF00"/>
+                </a:solidFill>
+              </a:rPr>
+              <a:t>global happiness in the face of pandemic restrictions</a:t>
+            </a:r>
+            <a:r>
+              <a:rPr lang="en-US" sz="3800" b="1" dirty="0">
+                <a:solidFill>
+                  <a:srgbClr val="FFFF00"/>
+                </a:solidFill>
+              </a:rPr>
+              <a:t/>
+            </a:r>
+            <a:br>
+              <a:rPr lang="en-US" sz="3800" b="1" dirty="0">
+                <a:solidFill>
+                  <a:srgbClr val="FFFF00"/>
+                </a:solidFill>
+              </a:rPr>
+            </a:br>
+            <a:r>
+              <a:rPr lang="en-US" sz="1300" b="1" dirty="0">
+                <a:solidFill>
+                  <a:srgbClr val="FFFF00"/>
+                </a:solidFill>
+              </a:rPr>
+              <a:t/>
+            </a:r>
+            <a:br>
+              <a:rPr lang="en-US" sz="1300" b="1" dirty="0">
+                <a:solidFill>
+                  <a:srgbClr val="FFFF00"/>
+                </a:solidFill>
+              </a:rPr>
+            </a:br>
+            <a:r>
+              <a:rPr lang="en-US" sz="2700" b="1" i="1" dirty="0">
+                <a:solidFill>
+                  <a:srgbClr val="FFFF00"/>
+                </a:solidFill>
+              </a:rPr>
+              <a:t>Benjamin </a:t>
+            </a:r>
+            <a:r>
+              <a:rPr lang="en-US" sz="2700" b="1" i="1" dirty="0" err="1">
+                <a:solidFill>
+                  <a:srgbClr val="FFFF00"/>
+                </a:solidFill>
+              </a:rPr>
+              <a:t>Strusch</a:t>
+            </a:r>
+            <a:r>
+              <a:rPr lang="en-US" sz="2700" b="1" i="1" dirty="0">
+                <a:solidFill>
+                  <a:srgbClr val="FFFF00"/>
+                </a:solidFill>
+              </a:rPr>
+              <a:t>, Nils Müller, Svea </a:t>
+            </a:r>
+            <a:r>
+              <a:rPr lang="en-US" sz="2700" b="1" i="1" dirty="0" err="1">
+                <a:solidFill>
+                  <a:srgbClr val="FFFF00"/>
+                </a:solidFill>
+              </a:rPr>
+              <a:t>Graupner</a:t>
+            </a:r>
+            <a:endParaRPr lang="en-US" sz="2700" b="1" i="1" dirty="0">
+              <a:solidFill>
+                <a:srgbClr val="FFFF00"/>
+              </a:solidFill>
+            </a:endParaRPr>
+          </a:p>
+        </p:txBody>
+      </p:sp>
+      <p:sp>
+        <p:nvSpPr>
+          <p:cNvPr id="3" name="TextBox 2"/>
+          <p:cNvSpPr txBox="1"/>
+          <p:nvPr/>
+        </p:nvSpPr>
+        <p:spPr>
+          <a:xfrm>
+            <a:off x="10826496" y="6596390"/>
+            <a:ext cx="1365504" cy="261610"/>
           </a:xfrm>
           <a:prstGeom prst="rect">
             <a:avLst/>
           </a:prstGeom>
-          <a:gradFill flip="none" rotWithShape="1">
-            <a:gsLst>
-              <a:gs pos="0">
-                <a:srgbClr val="000000">
-                  <a:alpha val="0"/>
-                </a:srgbClr>
-              </a:gs>
-              <a:gs pos="25000">
-                <a:srgbClr val="000000">
-                  <a:alpha val="15000"/>
-                </a:srgbClr>
-              </a:gs>
-              <a:gs pos="75000">
-                <a:srgbClr val="000000">
-                  <a:alpha val="15000"/>
-                </a:srgbClr>
-              </a:gs>
-              <a:gs pos="50000">
-                <a:srgbClr val="000000">
-                  <a:alpha val="30000"/>
-                </a:srgbClr>
-              </a:gs>
-              <a:gs pos="100000">
-                <a:srgbClr val="000000">
-                  <a:alpha val="0"/>
-                </a:srgbClr>
-              </a:gs>
-            </a:gsLst>
-            <a:lin ang="16200000" scaled="1"/>
-            <a:tileRect/>
-          </a:gradFill>
-          <a:ln>
-            <a:noFill/>
-          </a:ln>
+          <a:noFill/>
         </p:spPr>
-        <p:style>
-          <a:lnRef idx="2">
-            <a:schemeClr val="accent1">
-              <a:shade val="50000"/>
-            </a:schemeClr>
-          </a:lnRef>
-          <a:fillRef idx="1">
-            <a:schemeClr val="accent1"/>
-          </a:fillRef>
-          <a:effectRef idx="0">
-            <a:schemeClr val="accent1"/>
-          </a:effectRef>
-          <a:fontRef idx="minor">
-            <a:schemeClr val="lt1"/>
-          </a:fontRef>
-        </p:style>
-        <p:txBody>
-          <a:bodyPr rtlCol="0" anchor="ctr"/>
-          <a:lstStyle/>
-          <a:p>
-            <a:pPr algn="ctr"/>
-            <a:endParaRPr lang="en-US"/>
-          </a:p>
-        </p:txBody>
-      </p:sp>
-      <p:sp>
-        <p:nvSpPr>
-          <p:cNvPr id="2" name="Title 1">
-            <a:extLst>
-              <a:ext uri="{FF2B5EF4-FFF2-40B4-BE49-F238E27FC236}">
-                <a16:creationId xmlns:a16="http://schemas.microsoft.com/office/drawing/2014/main" id="{34196856-6420-60D4-5C39-F283F63292E2}"/>
-              </a:ext>
-            </a:extLst>
-          </p:cNvPr>
-          <p:cNvSpPr>
-            <a:spLocks noGrp="1"/>
-          </p:cNvSpPr>
-          <p:nvPr>
-            <p:ph type="ctrTitle"/>
-          </p:nvPr>
-        </p:nvSpPr>
-        <p:spPr>
-          <a:xfrm>
-            <a:off x="1097280" y="325550"/>
-            <a:ext cx="10058400" cy="3574778"/>
-          </a:xfrm>
-          <a:effectLst>
-            <a:outerShdw blurRad="50800" dist="38100" dir="2700000" algn="tl" rotWithShape="0">
-              <a:prstClr val="black">
-                <a:alpha val="40000"/>
-              </a:prstClr>
-            </a:outerShdw>
-          </a:effectLst>
-        </p:spPr>
-        <p:txBody>
-          <a:bodyPr>
-            <a:normAutofit/>
+        <p:txBody>
+          <a:bodyPr wrap="square" rtlCol="0">
+            <a:spAutoFit/>
           </a:bodyPr>
           <a:lstStyle/>
           <a:p>
-            <a:endParaRPr lang="en-GB" sz="5200">
-              <a:solidFill>
-                <a:srgbClr val="FFFFFF"/>
-              </a:solidFill>
-            </a:endParaRPr>
-          </a:p>
-        </p:txBody>
-      </p:sp>
-      <p:sp>
-        <p:nvSpPr>
-          <p:cNvPr id="3" name="Subtitle 2">
-            <a:extLst>
-              <a:ext uri="{FF2B5EF4-FFF2-40B4-BE49-F238E27FC236}">
-                <a16:creationId xmlns:a16="http://schemas.microsoft.com/office/drawing/2014/main" id="{F0674F33-153C-B281-F6A8-68D3064FF31A}"/>
-              </a:ext>
-            </a:extLst>
-          </p:cNvPr>
-          <p:cNvSpPr>
-            <a:spLocks noGrp="1"/>
-          </p:cNvSpPr>
-          <p:nvPr>
-            <p:ph type="subTitle" idx="1"/>
-          </p:nvPr>
-        </p:nvSpPr>
-        <p:spPr>
-          <a:xfrm>
-            <a:off x="1100051" y="4072043"/>
-            <a:ext cx="10058400" cy="1282707"/>
-          </a:xfrm>
-          <a:effectLst>
-            <a:outerShdw blurRad="50800" dist="38100" dir="2700000" algn="tl" rotWithShape="0">
-              <a:prstClr val="black">
-                <a:alpha val="40000"/>
-              </a:prstClr>
-            </a:outerShdw>
-          </a:effectLst>
-        </p:spPr>
-        <p:txBody>
-          <a:bodyPr>
-            <a:normAutofit/>
-          </a:bodyPr>
-          <a:lstStyle/>
-          <a:p>
-            <a:endParaRPr lang="en-GB">
-              <a:solidFill>
-                <a:srgbClr val="FFFFFF"/>
-              </a:solidFill>
-            </a:endParaRPr>
+            <a:r>
+              <a:rPr lang="en-US" sz="1100" dirty="0"/>
+              <a:t>Photo by the blowup</a:t>
+            </a:r>
+            <a:endParaRPr lang="de-CH" sz="1100" dirty="0"/>
           </a:p>
         </p:txBody>
       </p:sp>
     </p:spTree>
     <p:extLst>
       <p:ext uri="{BB962C8B-B14F-4D97-AF65-F5344CB8AC3E}">
-        <p14:creationId xmlns:p14="http://schemas.microsoft.com/office/powerpoint/2010/main" val="2296940343"/>
+        <p14:creationId xmlns:p14="http://schemas.microsoft.com/office/powerpoint/2010/main" val="805154286"/>
       </p:ext>
     </p:extLst>
   </p:cSld>
